--- a/21520312_21521649_Slide_StickDiagram.pptx
+++ b/21520312_21521649_Slide_StickDiagram.pptx
@@ -235,7 +235,7 @@
           <a:p>
             <a:fld id="{9483024B-B7EB-4BE5-B9AB-C2C985202298}" type="datetimeFigureOut">
               <a:rPr lang="en-US" smtClean="0"/>
-              <a:t>4/20/2024</a:t>
+              <a:t>4/21/2024</a:t>
             </a:fld>
             <a:endParaRPr lang="en-US"/>
           </a:p>
@@ -665,7 +665,7 @@
           <a:p>
             <a:fld id="{6F52207E-8A09-4FC6-83E9-3D1773E47D00}" type="datetime1">
               <a:rPr kumimoji="1" lang="en-US" altLang="ja-JP" smtClean="0"/>
-              <a:t>4/20/2024</a:t>
+              <a:t>4/21/2024</a:t>
             </a:fld>
             <a:endParaRPr kumimoji="1" lang="ja-JP" altLang="en-US"/>
           </a:p>
@@ -923,7 +923,7 @@
           <a:p>
             <a:fld id="{F7681EE8-9FE2-425D-8FB4-74C399BDEDA0}" type="datetime1">
               <a:rPr kumimoji="1" lang="en-US" altLang="ja-JP" smtClean="0"/>
-              <a:t>4/20/2024</a:t>
+              <a:t>4/21/2024</a:t>
             </a:fld>
             <a:endParaRPr kumimoji="1" lang="ja-JP" altLang="en-US"/>
           </a:p>
@@ -1050,7 +1050,7 @@
           <a:p>
             <a:fld id="{23BAD0F7-3350-4E06-B588-1E0EA9C9F1FB}" type="datetime1">
               <a:rPr kumimoji="1" lang="en-US" altLang="ja-JP" smtClean="0"/>
-              <a:t>4/20/2024</a:t>
+              <a:t>4/21/2024</a:t>
             </a:fld>
             <a:endParaRPr kumimoji="1" lang="ja-JP" altLang="en-US"/>
           </a:p>
@@ -1257,7 +1257,7 @@
           <a:p>
             <a:fld id="{E47B8097-A83C-4868-B5B8-F5134B7BBCC6}" type="datetime1">
               <a:rPr kumimoji="1" lang="en-US" altLang="ja-JP" smtClean="0"/>
-              <a:t>4/20/2024</a:t>
+              <a:t>4/21/2024</a:t>
             </a:fld>
             <a:endParaRPr kumimoji="1" lang="ja-JP" altLang="en-US"/>
           </a:p>
@@ -1481,7 +1481,7 @@
           <a:p>
             <a:fld id="{BA136E8E-48A6-4CCA-8C49-35959C36CF6D}" type="datetime1">
               <a:rPr kumimoji="1" lang="en-US" altLang="ja-JP" smtClean="0"/>
-              <a:t>4/20/2024</a:t>
+              <a:t>4/21/2024</a:t>
             </a:fld>
             <a:endParaRPr kumimoji="1" lang="ja-JP" altLang="en-US"/>
           </a:p>
@@ -1895,7 +1895,7 @@
           <a:p>
             <a:fld id="{547C34CA-7153-4941-88F2-C5EB28E4F17F}" type="datetime1">
               <a:rPr kumimoji="1" lang="en-US" altLang="ja-JP" smtClean="0"/>
-              <a:t>4/20/2024</a:t>
+              <a:t>4/21/2024</a:t>
             </a:fld>
             <a:endParaRPr kumimoji="1" lang="ja-JP" altLang="en-US"/>
           </a:p>
@@ -2584,7 +2584,7 @@
           <a:p>
             <a:fld id="{6F52207E-8A09-4FC6-83E9-3D1773E47D00}" type="datetime1">
               <a:rPr kumimoji="1" lang="en-US" altLang="ja-JP" smtClean="0"/>
-              <a:t>4/20/2024</a:t>
+              <a:t>4/21/2024</a:t>
             </a:fld>
             <a:endParaRPr kumimoji="1" lang="ja-JP" altLang="en-US"/>
           </a:p>
@@ -3423,7 +3423,7 @@
             </a:pPr>
             <a:r>
               <a:rPr lang="en-US" sz="1800" b="1" kern="0" dirty="0"/>
-              <a:t>                                        NGUYỄN ĐẶNG ANH KIỆT -21520312 </a:t>
+              <a:t>                                        NGUYỄN ĐẶNG ANH KIỆT – 21520312 </a:t>
             </a:r>
             <a:endParaRPr lang="vi-VN" sz="1800" kern="0" dirty="0"/>
           </a:p>
@@ -4621,7 +4621,7 @@
           <a:p>
             <a:fld id="{F7681EE8-9FE2-425D-8FB4-74C399BDEDA0}" type="datetime1">
               <a:rPr kumimoji="1" lang="en-US" altLang="ja-JP" smtClean="0"/>
-              <a:t>4/20/2024</a:t>
+              <a:t>4/21/2024</a:t>
             </a:fld>
             <a:endParaRPr kumimoji="1" lang="ja-JP" altLang="en-US"/>
           </a:p>
@@ -5636,7 +5636,7 @@
           <a:p>
             <a:fld id="{F7681EE8-9FE2-425D-8FB4-74C399BDEDA0}" type="datetime1">
               <a:rPr kumimoji="1" lang="en-US" altLang="ja-JP" smtClean="0"/>
-              <a:t>4/20/2024</a:t>
+              <a:t>4/21/2024</a:t>
             </a:fld>
             <a:endParaRPr kumimoji="1" lang="ja-JP" altLang="en-US"/>
           </a:p>
@@ -5893,11 +5893,11 @@
               <a:buChar char="-"/>
             </a:pPr>
             <a:r>
-              <a:rPr lang="en-US" sz="1800" dirty="0" err="1"/>
+              <a:rPr lang="en-US" sz="2000" dirty="0" err="1"/>
               <a:t>T</a:t>
             </a:r>
             <a:r>
-              <a:rPr lang="en-US" sz="1800" dirty="0" err="1">
+              <a:rPr lang="en-US" sz="2000" dirty="0" err="1">
                 <a:effectLst/>
                 <a:latin typeface="Times New Roman" panose="02020603050405020304" pitchFamily="18" charset="0"/>
                 <a:ea typeface="Arial" panose="020B0604020202020204" pitchFamily="34" charset="0"/>
@@ -5905,15 +5905,15 @@
               <a:t>ạo</a:t>
             </a:r>
             <a:r>
-              <a:rPr lang="en-US" sz="1800" dirty="0">
-                <a:effectLst/>
-                <a:latin typeface="Times New Roman" panose="02020603050405020304" pitchFamily="18" charset="0"/>
-                <a:ea typeface="Arial" panose="020B0604020202020204" pitchFamily="34" charset="0"/>
-              </a:rPr>
-              <a:t> </a:t>
-            </a:r>
-            <a:r>
-              <a:rPr lang="en-US" sz="1800" dirty="0" err="1">
+              <a:rPr lang="en-US" sz="2000" dirty="0">
+                <a:effectLst/>
+                <a:latin typeface="Times New Roman" panose="02020603050405020304" pitchFamily="18" charset="0"/>
+                <a:ea typeface="Arial" panose="020B0604020202020204" pitchFamily="34" charset="0"/>
+              </a:rPr>
+              <a:t> </a:t>
+            </a:r>
+            <a:r>
+              <a:rPr lang="en-US" sz="2000" dirty="0" err="1">
                 <a:effectLst/>
                 <a:latin typeface="Times New Roman" panose="02020603050405020304" pitchFamily="18" charset="0"/>
                 <a:ea typeface="Arial" panose="020B0604020202020204" pitchFamily="34" charset="0"/>
@@ -5921,15 +5921,15 @@
               <a:t>một</a:t>
             </a:r>
             <a:r>
-              <a:rPr lang="en-US" sz="1800" dirty="0">
-                <a:effectLst/>
-                <a:latin typeface="Times New Roman" panose="02020603050405020304" pitchFamily="18" charset="0"/>
-                <a:ea typeface="Arial" panose="020B0604020202020204" pitchFamily="34" charset="0"/>
-              </a:rPr>
-              <a:t> </a:t>
-            </a:r>
-            <a:r>
-              <a:rPr lang="en-US" sz="1800" dirty="0" err="1">
+              <a:rPr lang="en-US" sz="2000" dirty="0">
+                <a:effectLst/>
+                <a:latin typeface="Times New Roman" panose="02020603050405020304" pitchFamily="18" charset="0"/>
+                <a:ea typeface="Arial" panose="020B0604020202020204" pitchFamily="34" charset="0"/>
+              </a:rPr>
+              <a:t> </a:t>
+            </a:r>
+            <a:r>
+              <a:rPr lang="en-US" sz="2000" dirty="0" err="1">
                 <a:effectLst/>
                 <a:latin typeface="Times New Roman" panose="02020603050405020304" pitchFamily="18" charset="0"/>
                 <a:ea typeface="Arial" panose="020B0604020202020204" pitchFamily="34" charset="0"/>
@@ -5937,15 +5937,15 @@
               <a:t>danh</a:t>
             </a:r>
             <a:r>
-              <a:rPr lang="en-US" sz="1800" dirty="0">
-                <a:effectLst/>
-                <a:latin typeface="Times New Roman" panose="02020603050405020304" pitchFamily="18" charset="0"/>
-                <a:ea typeface="Arial" panose="020B0604020202020204" pitchFamily="34" charset="0"/>
-              </a:rPr>
-              <a:t> </a:t>
-            </a:r>
-            <a:r>
-              <a:rPr lang="en-US" sz="1800" dirty="0" err="1">
+              <a:rPr lang="en-US" sz="2000" dirty="0">
+                <a:effectLst/>
+                <a:latin typeface="Times New Roman" panose="02020603050405020304" pitchFamily="18" charset="0"/>
+                <a:ea typeface="Arial" panose="020B0604020202020204" pitchFamily="34" charset="0"/>
+              </a:rPr>
+              <a:t> </a:t>
+            </a:r>
+            <a:r>
+              <a:rPr lang="en-US" sz="2000" dirty="0" err="1">
                 <a:effectLst/>
                 <a:latin typeface="Times New Roman" panose="02020603050405020304" pitchFamily="18" charset="0"/>
                 <a:ea typeface="Arial" panose="020B0604020202020204" pitchFamily="34" charset="0"/>
@@ -5953,15 +5953,15 @@
               <a:t>sách</a:t>
             </a:r>
             <a:r>
-              <a:rPr lang="en-US" sz="1800" dirty="0">
-                <a:effectLst/>
-                <a:latin typeface="Times New Roman" panose="02020603050405020304" pitchFamily="18" charset="0"/>
-                <a:ea typeface="Arial" panose="020B0604020202020204" pitchFamily="34" charset="0"/>
-              </a:rPr>
-              <a:t> </a:t>
-            </a:r>
-            <a:r>
-              <a:rPr lang="en-US" sz="1800" dirty="0" err="1">
+              <a:rPr lang="en-US" sz="2000" dirty="0">
+                <a:effectLst/>
+                <a:latin typeface="Times New Roman" panose="02020603050405020304" pitchFamily="18" charset="0"/>
+                <a:ea typeface="Arial" panose="020B0604020202020204" pitchFamily="34" charset="0"/>
+              </a:rPr>
+              <a:t> </a:t>
+            </a:r>
+            <a:r>
+              <a:rPr lang="en-US" sz="2000" dirty="0" err="1">
                 <a:effectLst/>
                 <a:latin typeface="Times New Roman" panose="02020603050405020304" pitchFamily="18" charset="0"/>
                 <a:ea typeface="Arial" panose="020B0604020202020204" pitchFamily="34" charset="0"/>
@@ -5969,15 +5969,15 @@
               <a:t>các</a:t>
             </a:r>
             <a:r>
-              <a:rPr lang="en-US" sz="1800" dirty="0">
-                <a:effectLst/>
-                <a:latin typeface="Times New Roman" panose="02020603050405020304" pitchFamily="18" charset="0"/>
-                <a:ea typeface="Arial" panose="020B0604020202020204" pitchFamily="34" charset="0"/>
-              </a:rPr>
-              <a:t> </a:t>
-            </a:r>
-            <a:r>
-              <a:rPr lang="en-US" sz="1800" dirty="0" err="1">
+              <a:rPr lang="en-US" sz="2000" dirty="0">
+                <a:effectLst/>
+                <a:latin typeface="Times New Roman" panose="02020603050405020304" pitchFamily="18" charset="0"/>
+                <a:ea typeface="Arial" panose="020B0604020202020204" pitchFamily="34" charset="0"/>
+              </a:rPr>
+              <a:t> </a:t>
+            </a:r>
+            <a:r>
+              <a:rPr lang="en-US" sz="2000" dirty="0" err="1">
                 <a:effectLst/>
                 <a:latin typeface="Times New Roman" panose="02020603050405020304" pitchFamily="18" charset="0"/>
                 <a:ea typeface="Arial" panose="020B0604020202020204" pitchFamily="34" charset="0"/>
@@ -5985,15 +5985,15 @@
               <a:t>đỉnh</a:t>
             </a:r>
             <a:r>
-              <a:rPr lang="en-US" sz="1800" dirty="0">
-                <a:effectLst/>
-                <a:latin typeface="Times New Roman" panose="02020603050405020304" pitchFamily="18" charset="0"/>
-                <a:ea typeface="Arial" panose="020B0604020202020204" pitchFamily="34" charset="0"/>
-              </a:rPr>
-              <a:t> </a:t>
-            </a:r>
-            <a:r>
-              <a:rPr lang="en-US" sz="1800" dirty="0" err="1">
+              <a:rPr lang="en-US" sz="2000" dirty="0">
+                <a:effectLst/>
+                <a:latin typeface="Times New Roman" panose="02020603050405020304" pitchFamily="18" charset="0"/>
+                <a:ea typeface="Arial" panose="020B0604020202020204" pitchFamily="34" charset="0"/>
+              </a:rPr>
+              <a:t> </a:t>
+            </a:r>
+            <a:r>
+              <a:rPr lang="en-US" sz="2000" dirty="0" err="1">
                 <a:effectLst/>
                 <a:latin typeface="Times New Roman" panose="02020603050405020304" pitchFamily="18" charset="0"/>
                 <a:ea typeface="Arial" panose="020B0604020202020204" pitchFamily="34" charset="0"/>
@@ -6001,15 +6001,15 @@
               <a:t>đã</a:t>
             </a:r>
             <a:r>
-              <a:rPr lang="en-US" sz="1800" dirty="0">
-                <a:effectLst/>
-                <a:latin typeface="Times New Roman" panose="02020603050405020304" pitchFamily="18" charset="0"/>
-                <a:ea typeface="Arial" panose="020B0604020202020204" pitchFamily="34" charset="0"/>
-              </a:rPr>
-              <a:t> </a:t>
-            </a:r>
-            <a:r>
-              <a:rPr lang="en-US" sz="1800" dirty="0" err="1">
+              <a:rPr lang="en-US" sz="2000" dirty="0">
+                <a:effectLst/>
+                <a:latin typeface="Times New Roman" panose="02020603050405020304" pitchFamily="18" charset="0"/>
+                <a:ea typeface="Arial" panose="020B0604020202020204" pitchFamily="34" charset="0"/>
+              </a:rPr>
+              <a:t> </a:t>
+            </a:r>
+            <a:r>
+              <a:rPr lang="en-US" sz="2000" dirty="0" err="1">
                 <a:effectLst/>
                 <a:latin typeface="Times New Roman" panose="02020603050405020304" pitchFamily="18" charset="0"/>
                 <a:ea typeface="Arial" panose="020B0604020202020204" pitchFamily="34" charset="0"/>
@@ -6017,15 +6017,15 @@
               <a:t>kết</a:t>
             </a:r>
             <a:r>
-              <a:rPr lang="en-US" sz="1800" dirty="0">
-                <a:effectLst/>
-                <a:latin typeface="Times New Roman" panose="02020603050405020304" pitchFamily="18" charset="0"/>
-                <a:ea typeface="Arial" panose="020B0604020202020204" pitchFamily="34" charset="0"/>
-              </a:rPr>
-              <a:t> </a:t>
-            </a:r>
-            <a:r>
-              <a:rPr lang="en-US" sz="1800" dirty="0" err="1">
+              <a:rPr lang="en-US" sz="2000" dirty="0">
+                <a:effectLst/>
+                <a:latin typeface="Times New Roman" panose="02020603050405020304" pitchFamily="18" charset="0"/>
+                <a:ea typeface="Arial" panose="020B0604020202020204" pitchFamily="34" charset="0"/>
+              </a:rPr>
+              <a:t> </a:t>
+            </a:r>
+            <a:r>
+              <a:rPr lang="en-US" sz="2000" dirty="0" err="1">
                 <a:effectLst/>
                 <a:latin typeface="Times New Roman" panose="02020603050405020304" pitchFamily="18" charset="0"/>
                 <a:ea typeface="Arial" panose="020B0604020202020204" pitchFamily="34" charset="0"/>
@@ -6033,15 +6033,15 @@
               <a:t>nối</a:t>
             </a:r>
             <a:r>
-              <a:rPr lang="en-US" sz="1800" dirty="0">
-                <a:effectLst/>
-                <a:latin typeface="Times New Roman" panose="02020603050405020304" pitchFamily="18" charset="0"/>
-                <a:ea typeface="Arial" panose="020B0604020202020204" pitchFamily="34" charset="0"/>
-              </a:rPr>
-              <a:t> </a:t>
-            </a:r>
-            <a:r>
-              <a:rPr lang="en-US" sz="1800" dirty="0" err="1">
+              <a:rPr lang="en-US" sz="2000" dirty="0">
+                <a:effectLst/>
+                <a:latin typeface="Times New Roman" panose="02020603050405020304" pitchFamily="18" charset="0"/>
+                <a:ea typeface="Arial" panose="020B0604020202020204" pitchFamily="34" charset="0"/>
+              </a:rPr>
+              <a:t> </a:t>
+            </a:r>
+            <a:r>
+              <a:rPr lang="en-US" sz="2000" dirty="0" err="1">
                 <a:effectLst/>
                 <a:latin typeface="Times New Roman" panose="02020603050405020304" pitchFamily="18" charset="0"/>
                 <a:ea typeface="Arial" panose="020B0604020202020204" pitchFamily="34" charset="0"/>
@@ -6049,15 +6049,15 @@
               <a:t>đến</a:t>
             </a:r>
             <a:r>
-              <a:rPr lang="en-US" sz="1800" dirty="0">
-                <a:effectLst/>
-                <a:latin typeface="Times New Roman" panose="02020603050405020304" pitchFamily="18" charset="0"/>
-                <a:ea typeface="Arial" panose="020B0604020202020204" pitchFamily="34" charset="0"/>
-              </a:rPr>
-              <a:t> </a:t>
-            </a:r>
-            <a:r>
-              <a:rPr lang="en-US" sz="1800" dirty="0" err="1">
+              <a:rPr lang="en-US" sz="2000" dirty="0">
+                <a:effectLst/>
+                <a:latin typeface="Times New Roman" panose="02020603050405020304" pitchFamily="18" charset="0"/>
+                <a:ea typeface="Arial" panose="020B0604020202020204" pitchFamily="34" charset="0"/>
+              </a:rPr>
+              <a:t> </a:t>
+            </a:r>
+            <a:r>
+              <a:rPr lang="en-US" sz="2000" dirty="0" err="1">
                 <a:effectLst/>
                 <a:latin typeface="Times New Roman" panose="02020603050405020304" pitchFamily="18" charset="0"/>
                 <a:ea typeface="Arial" panose="020B0604020202020204" pitchFamily="34" charset="0"/>
@@ -6065,7 +6065,7 @@
               <a:t>Vdd</a:t>
             </a:r>
             <a:r>
-              <a:rPr lang="en-US" sz="1800" dirty="0">
+              <a:rPr lang="en-US" sz="2000" dirty="0">
                 <a:effectLst/>
                 <a:latin typeface="Times New Roman" panose="02020603050405020304" pitchFamily="18" charset="0"/>
                 <a:ea typeface="Arial" panose="020B0604020202020204" pitchFamily="34" charset="0"/>
@@ -6073,7 +6073,7 @@
               <a:t> (</a:t>
             </a:r>
             <a:r>
-              <a:rPr lang="en-US" sz="1800" dirty="0" err="1">
+              <a:rPr lang="en-US" sz="2000" dirty="0" err="1">
                 <a:effectLst/>
                 <a:latin typeface="Times New Roman" panose="02020603050405020304" pitchFamily="18" charset="0"/>
                 <a:ea typeface="Arial" panose="020B0604020202020204" pitchFamily="34" charset="0"/>
@@ -6081,7 +6081,7 @@
               <a:t>vdd_already_connected</a:t>
             </a:r>
             <a:r>
-              <a:rPr lang="en-US" sz="1800" dirty="0">
+              <a:rPr lang="en-US" sz="2000" dirty="0">
                 <a:effectLst/>
                 <a:latin typeface="Times New Roman" panose="02020603050405020304" pitchFamily="18" charset="0"/>
                 <a:ea typeface="Arial" panose="020B0604020202020204" pitchFamily="34" charset="0"/>
@@ -6089,7 +6089,7 @@
               <a:t>), ta </a:t>
             </a:r>
             <a:r>
-              <a:rPr lang="en-US" sz="1800" dirty="0" err="1">
+              <a:rPr lang="en-US" sz="2000" dirty="0" err="1">
                 <a:effectLst/>
                 <a:latin typeface="Times New Roman" panose="02020603050405020304" pitchFamily="18" charset="0"/>
                 <a:ea typeface="Arial" panose="020B0604020202020204" pitchFamily="34" charset="0"/>
@@ -6097,15 +6097,15 @@
               <a:t>sẽ</a:t>
             </a:r>
             <a:r>
-              <a:rPr lang="en-US" sz="1800" dirty="0">
-                <a:effectLst/>
-                <a:latin typeface="Times New Roman" panose="02020603050405020304" pitchFamily="18" charset="0"/>
-                <a:ea typeface="Arial" panose="020B0604020202020204" pitchFamily="34" charset="0"/>
-              </a:rPr>
-              <a:t> </a:t>
-            </a:r>
-            <a:r>
-              <a:rPr lang="en-US" sz="1800" dirty="0" err="1">
+              <a:rPr lang="en-US" sz="2000" dirty="0">
+                <a:effectLst/>
+                <a:latin typeface="Times New Roman" panose="02020603050405020304" pitchFamily="18" charset="0"/>
+                <a:ea typeface="Arial" panose="020B0604020202020204" pitchFamily="34" charset="0"/>
+              </a:rPr>
+              <a:t> </a:t>
+            </a:r>
+            <a:r>
+              <a:rPr lang="en-US" sz="2000" dirty="0" err="1">
                 <a:effectLst/>
                 <a:latin typeface="Times New Roman" panose="02020603050405020304" pitchFamily="18" charset="0"/>
                 <a:ea typeface="Arial" panose="020B0604020202020204" pitchFamily="34" charset="0"/>
@@ -6113,15 +6113,15 @@
               <a:t>thêm</a:t>
             </a:r>
             <a:r>
-              <a:rPr lang="en-US" sz="1800" dirty="0">
-                <a:effectLst/>
-                <a:latin typeface="Times New Roman" panose="02020603050405020304" pitchFamily="18" charset="0"/>
-                <a:ea typeface="Arial" panose="020B0604020202020204" pitchFamily="34" charset="0"/>
-              </a:rPr>
-              <a:t> </a:t>
-            </a:r>
-            <a:r>
-              <a:rPr lang="en-US" sz="1800" dirty="0" err="1">
+              <a:rPr lang="en-US" sz="2000" dirty="0">
+                <a:effectLst/>
+                <a:latin typeface="Times New Roman" panose="02020603050405020304" pitchFamily="18" charset="0"/>
+                <a:ea typeface="Arial" panose="020B0604020202020204" pitchFamily="34" charset="0"/>
+              </a:rPr>
+              <a:t> </a:t>
+            </a:r>
+            <a:r>
+              <a:rPr lang="en-US" sz="2000" dirty="0" err="1">
                 <a:effectLst/>
                 <a:latin typeface="Times New Roman" panose="02020603050405020304" pitchFamily="18" charset="0"/>
                 <a:ea typeface="Arial" panose="020B0604020202020204" pitchFamily="34" charset="0"/>
@@ -6129,15 +6129,15 @@
               <a:t>vào</a:t>
             </a:r>
             <a:r>
-              <a:rPr lang="en-US" sz="1800" dirty="0">
-                <a:effectLst/>
-                <a:latin typeface="Times New Roman" panose="02020603050405020304" pitchFamily="18" charset="0"/>
-                <a:ea typeface="Arial" panose="020B0604020202020204" pitchFamily="34" charset="0"/>
-              </a:rPr>
-              <a:t> </a:t>
-            </a:r>
-            <a:r>
-              <a:rPr lang="en-US" sz="1800" dirty="0" err="1">
+              <a:rPr lang="en-US" sz="2000" dirty="0">
+                <a:effectLst/>
+                <a:latin typeface="Times New Roman" panose="02020603050405020304" pitchFamily="18" charset="0"/>
+                <a:ea typeface="Arial" panose="020B0604020202020204" pitchFamily="34" charset="0"/>
+              </a:rPr>
+              <a:t> </a:t>
+            </a:r>
+            <a:r>
+              <a:rPr lang="en-US" sz="2000" dirty="0" err="1">
                 <a:effectLst/>
                 <a:latin typeface="Times New Roman" panose="02020603050405020304" pitchFamily="18" charset="0"/>
                 <a:ea typeface="Arial" panose="020B0604020202020204" pitchFamily="34" charset="0"/>
@@ -6145,15 +6145,15 @@
               <a:t>danh</a:t>
             </a:r>
             <a:r>
-              <a:rPr lang="en-US" sz="1800" dirty="0">
-                <a:effectLst/>
-                <a:latin typeface="Times New Roman" panose="02020603050405020304" pitchFamily="18" charset="0"/>
-                <a:ea typeface="Arial" panose="020B0604020202020204" pitchFamily="34" charset="0"/>
-              </a:rPr>
-              <a:t> </a:t>
-            </a:r>
-            <a:r>
-              <a:rPr lang="en-US" sz="1800" dirty="0" err="1">
+              <a:rPr lang="en-US" sz="2000" dirty="0">
+                <a:effectLst/>
+                <a:latin typeface="Times New Roman" panose="02020603050405020304" pitchFamily="18" charset="0"/>
+                <a:ea typeface="Arial" panose="020B0604020202020204" pitchFamily="34" charset="0"/>
+              </a:rPr>
+              <a:t> </a:t>
+            </a:r>
+            <a:r>
+              <a:rPr lang="en-US" sz="2000" dirty="0" err="1">
                 <a:effectLst/>
                 <a:latin typeface="Times New Roman" panose="02020603050405020304" pitchFamily="18" charset="0"/>
                 <a:ea typeface="Arial" panose="020B0604020202020204" pitchFamily="34" charset="0"/>
@@ -6161,15 +6161,15 @@
               <a:t>sách</a:t>
             </a:r>
             <a:r>
-              <a:rPr lang="en-US" sz="1800" dirty="0">
-                <a:effectLst/>
-                <a:latin typeface="Times New Roman" panose="02020603050405020304" pitchFamily="18" charset="0"/>
-                <a:ea typeface="Arial" panose="020B0604020202020204" pitchFamily="34" charset="0"/>
-              </a:rPr>
-              <a:t> </a:t>
-            </a:r>
-            <a:r>
-              <a:rPr lang="en-US" sz="1800" dirty="0" err="1">
+              <a:rPr lang="en-US" sz="2000" dirty="0">
+                <a:effectLst/>
+                <a:latin typeface="Times New Roman" panose="02020603050405020304" pitchFamily="18" charset="0"/>
+                <a:ea typeface="Arial" panose="020B0604020202020204" pitchFamily="34" charset="0"/>
+              </a:rPr>
+              <a:t> </a:t>
+            </a:r>
+            <a:r>
+              <a:rPr lang="en-US" sz="2000" dirty="0" err="1">
                 <a:effectLst/>
                 <a:latin typeface="Times New Roman" panose="02020603050405020304" pitchFamily="18" charset="0"/>
                 <a:ea typeface="Arial" panose="020B0604020202020204" pitchFamily="34" charset="0"/>
@@ -6177,15 +6177,15 @@
               <a:t>này</a:t>
             </a:r>
             <a:r>
-              <a:rPr lang="en-US" sz="1800" dirty="0">
-                <a:effectLst/>
-                <a:latin typeface="Times New Roman" panose="02020603050405020304" pitchFamily="18" charset="0"/>
-                <a:ea typeface="Arial" panose="020B0604020202020204" pitchFamily="34" charset="0"/>
-              </a:rPr>
-              <a:t> </a:t>
-            </a:r>
-            <a:r>
-              <a:rPr lang="en-US" sz="1800" dirty="0" err="1">
+              <a:rPr lang="en-US" sz="2000" dirty="0">
+                <a:effectLst/>
+                <a:latin typeface="Times New Roman" panose="02020603050405020304" pitchFamily="18" charset="0"/>
+                <a:ea typeface="Arial" panose="020B0604020202020204" pitchFamily="34" charset="0"/>
+              </a:rPr>
+              <a:t> </a:t>
+            </a:r>
+            <a:r>
+              <a:rPr lang="en-US" sz="2000" dirty="0" err="1">
                 <a:effectLst/>
                 <a:latin typeface="Times New Roman" panose="02020603050405020304" pitchFamily="18" charset="0"/>
                 <a:ea typeface="Arial" panose="020B0604020202020204" pitchFamily="34" charset="0"/>
@@ -6193,15 +6193,15 @@
               <a:t>các</a:t>
             </a:r>
             <a:r>
-              <a:rPr lang="en-US" sz="1800" dirty="0">
-                <a:effectLst/>
-                <a:latin typeface="Times New Roman" panose="02020603050405020304" pitchFamily="18" charset="0"/>
-                <a:ea typeface="Arial" panose="020B0604020202020204" pitchFamily="34" charset="0"/>
-              </a:rPr>
-              <a:t> </a:t>
-            </a:r>
-            <a:r>
-              <a:rPr lang="en-US" sz="1800" dirty="0" err="1">
+              <a:rPr lang="en-US" sz="2000" dirty="0">
+                <a:effectLst/>
+                <a:latin typeface="Times New Roman" panose="02020603050405020304" pitchFamily="18" charset="0"/>
+                <a:ea typeface="Arial" panose="020B0604020202020204" pitchFamily="34" charset="0"/>
+              </a:rPr>
+              <a:t> </a:t>
+            </a:r>
+            <a:r>
+              <a:rPr lang="en-US" sz="2000" dirty="0" err="1">
                 <a:effectLst/>
                 <a:latin typeface="Times New Roman" panose="02020603050405020304" pitchFamily="18" charset="0"/>
                 <a:ea typeface="Arial" panose="020B0604020202020204" pitchFamily="34" charset="0"/>
@@ -6209,15 +6209,15 @@
               <a:t>đỉnh</a:t>
             </a:r>
             <a:r>
-              <a:rPr lang="en-US" sz="1800" dirty="0">
-                <a:effectLst/>
-                <a:latin typeface="Times New Roman" panose="02020603050405020304" pitchFamily="18" charset="0"/>
-                <a:ea typeface="Arial" panose="020B0604020202020204" pitchFamily="34" charset="0"/>
-              </a:rPr>
-              <a:t> </a:t>
-            </a:r>
-            <a:r>
-              <a:rPr lang="en-US" sz="1800" dirty="0" err="1">
+              <a:rPr lang="en-US" sz="2000" dirty="0">
+                <a:effectLst/>
+                <a:latin typeface="Times New Roman" panose="02020603050405020304" pitchFamily="18" charset="0"/>
+                <a:ea typeface="Arial" panose="020B0604020202020204" pitchFamily="34" charset="0"/>
+              </a:rPr>
+              <a:t> </a:t>
+            </a:r>
+            <a:r>
+              <a:rPr lang="en-US" sz="2000" dirty="0" err="1">
                 <a:effectLst/>
                 <a:latin typeface="Times New Roman" panose="02020603050405020304" pitchFamily="18" charset="0"/>
                 <a:ea typeface="Arial" panose="020B0604020202020204" pitchFamily="34" charset="0"/>
@@ -6225,15 +6225,15 @@
               <a:t>liền</a:t>
             </a:r>
             <a:r>
-              <a:rPr lang="en-US" sz="1800" dirty="0">
-                <a:effectLst/>
-                <a:latin typeface="Times New Roman" panose="02020603050405020304" pitchFamily="18" charset="0"/>
-                <a:ea typeface="Arial" panose="020B0604020202020204" pitchFamily="34" charset="0"/>
-              </a:rPr>
-              <a:t> </a:t>
-            </a:r>
-            <a:r>
-              <a:rPr lang="en-US" sz="1800" dirty="0" err="1">
+              <a:rPr lang="en-US" sz="2000" dirty="0">
+                <a:effectLst/>
+                <a:latin typeface="Times New Roman" panose="02020603050405020304" pitchFamily="18" charset="0"/>
+                <a:ea typeface="Arial" panose="020B0604020202020204" pitchFamily="34" charset="0"/>
+              </a:rPr>
+              <a:t> </a:t>
+            </a:r>
+            <a:r>
+              <a:rPr lang="en-US" sz="2000" dirty="0" err="1">
                 <a:effectLst/>
                 <a:latin typeface="Times New Roman" panose="02020603050405020304" pitchFamily="18" charset="0"/>
                 <a:ea typeface="Arial" panose="020B0604020202020204" pitchFamily="34" charset="0"/>
@@ -6241,15 +6241,15 @@
               <a:t>kề</a:t>
             </a:r>
             <a:r>
-              <a:rPr lang="en-US" sz="1800" dirty="0">
-                <a:effectLst/>
-                <a:latin typeface="Times New Roman" panose="02020603050405020304" pitchFamily="18" charset="0"/>
-                <a:ea typeface="Arial" panose="020B0604020202020204" pitchFamily="34" charset="0"/>
-              </a:rPr>
-              <a:t> </a:t>
-            </a:r>
-            <a:r>
-              <a:rPr lang="en-US" sz="1800" dirty="0" err="1">
+              <a:rPr lang="en-US" sz="2000" dirty="0">
+                <a:effectLst/>
+                <a:latin typeface="Times New Roman" panose="02020603050405020304" pitchFamily="18" charset="0"/>
+                <a:ea typeface="Arial" panose="020B0604020202020204" pitchFamily="34" charset="0"/>
+              </a:rPr>
+              <a:t> </a:t>
+            </a:r>
+            <a:r>
+              <a:rPr lang="en-US" sz="2000" dirty="0" err="1">
                 <a:effectLst/>
                 <a:latin typeface="Times New Roman" panose="02020603050405020304" pitchFamily="18" charset="0"/>
                 <a:ea typeface="Arial" panose="020B0604020202020204" pitchFamily="34" charset="0"/>
@@ -6257,15 +6257,15 @@
               <a:t>và</a:t>
             </a:r>
             <a:r>
-              <a:rPr lang="en-US" sz="1800" dirty="0">
-                <a:effectLst/>
-                <a:latin typeface="Times New Roman" panose="02020603050405020304" pitchFamily="18" charset="0"/>
-                <a:ea typeface="Arial" panose="020B0604020202020204" pitchFamily="34" charset="0"/>
-              </a:rPr>
-              <a:t> </a:t>
-            </a:r>
-            <a:r>
-              <a:rPr lang="en-US" sz="1800" dirty="0" err="1">
+              <a:rPr lang="en-US" sz="2000" dirty="0">
+                <a:effectLst/>
+                <a:latin typeface="Times New Roman" panose="02020603050405020304" pitchFamily="18" charset="0"/>
+                <a:ea typeface="Arial" panose="020B0604020202020204" pitchFamily="34" charset="0"/>
+              </a:rPr>
+              <a:t> </a:t>
+            </a:r>
+            <a:r>
+              <a:rPr lang="en-US" sz="2000" dirty="0" err="1">
                 <a:effectLst/>
                 <a:latin typeface="Times New Roman" panose="02020603050405020304" pitchFamily="18" charset="0"/>
                 <a:ea typeface="Arial" panose="020B0604020202020204" pitchFamily="34" charset="0"/>
@@ -6273,15 +6273,15 @@
               <a:t>thuộc</a:t>
             </a:r>
             <a:r>
-              <a:rPr lang="en-US" sz="1800" dirty="0">
-                <a:effectLst/>
-                <a:latin typeface="Times New Roman" panose="02020603050405020304" pitchFamily="18" charset="0"/>
-                <a:ea typeface="Arial" panose="020B0604020202020204" pitchFamily="34" charset="0"/>
-              </a:rPr>
-              <a:t> </a:t>
-            </a:r>
-            <a:r>
-              <a:rPr lang="en-US" sz="1800" dirty="0" err="1">
+              <a:rPr lang="en-US" sz="2000" dirty="0">
+                <a:effectLst/>
+                <a:latin typeface="Times New Roman" panose="02020603050405020304" pitchFamily="18" charset="0"/>
+                <a:ea typeface="Arial" panose="020B0604020202020204" pitchFamily="34" charset="0"/>
+              </a:rPr>
+              <a:t> </a:t>
+            </a:r>
+            <a:r>
+              <a:rPr lang="en-US" sz="2000" dirty="0" err="1">
                 <a:effectLst/>
                 <a:latin typeface="Times New Roman" panose="02020603050405020304" pitchFamily="18" charset="0"/>
                 <a:ea typeface="Arial" panose="020B0604020202020204" pitchFamily="34" charset="0"/>
@@ -6289,15 +6289,15 @@
               <a:t>danh</a:t>
             </a:r>
             <a:r>
-              <a:rPr lang="en-US" sz="1800" dirty="0">
-                <a:effectLst/>
-                <a:latin typeface="Times New Roman" panose="02020603050405020304" pitchFamily="18" charset="0"/>
-                <a:ea typeface="Arial" panose="020B0604020202020204" pitchFamily="34" charset="0"/>
-              </a:rPr>
-              <a:t> </a:t>
-            </a:r>
-            <a:r>
-              <a:rPr lang="en-US" sz="1800" dirty="0" err="1">
+              <a:rPr lang="en-US" sz="2000" dirty="0">
+                <a:effectLst/>
+                <a:latin typeface="Times New Roman" panose="02020603050405020304" pitchFamily="18" charset="0"/>
+                <a:ea typeface="Arial" panose="020B0604020202020204" pitchFamily="34" charset="0"/>
+              </a:rPr>
+              <a:t> </a:t>
+            </a:r>
+            <a:r>
+              <a:rPr lang="en-US" sz="2000" dirty="0" err="1">
                 <a:effectLst/>
                 <a:latin typeface="Times New Roman" panose="02020603050405020304" pitchFamily="18" charset="0"/>
                 <a:ea typeface="Arial" panose="020B0604020202020204" pitchFamily="34" charset="0"/>
@@ -6305,15 +6305,15 @@
               <a:t>sách</a:t>
             </a:r>
             <a:r>
-              <a:rPr lang="en-US" sz="1800" dirty="0">
-                <a:effectLst/>
-                <a:latin typeface="Times New Roman" panose="02020603050405020304" pitchFamily="18" charset="0"/>
-                <a:ea typeface="Arial" panose="020B0604020202020204" pitchFamily="34" charset="0"/>
-              </a:rPr>
-              <a:t> </a:t>
-            </a:r>
-            <a:r>
-              <a:rPr lang="en-US" sz="1800" dirty="0" err="1">
+              <a:rPr lang="en-US" sz="2000" dirty="0">
+                <a:effectLst/>
+                <a:latin typeface="Times New Roman" panose="02020603050405020304" pitchFamily="18" charset="0"/>
+                <a:ea typeface="Arial" panose="020B0604020202020204" pitchFamily="34" charset="0"/>
+              </a:rPr>
+              <a:t> </a:t>
+            </a:r>
+            <a:r>
+              <a:rPr lang="en-US" sz="2000" dirty="0" err="1">
                 <a:effectLst/>
                 <a:latin typeface="Times New Roman" panose="02020603050405020304" pitchFamily="18" charset="0"/>
                 <a:ea typeface="Arial" panose="020B0604020202020204" pitchFamily="34" charset="0"/>
@@ -6321,15 +6321,15 @@
               <a:t>các</a:t>
             </a:r>
             <a:r>
-              <a:rPr lang="en-US" sz="1800" dirty="0">
-                <a:effectLst/>
-                <a:latin typeface="Times New Roman" panose="02020603050405020304" pitchFamily="18" charset="0"/>
-                <a:ea typeface="Arial" panose="020B0604020202020204" pitchFamily="34" charset="0"/>
-              </a:rPr>
-              <a:t> </a:t>
-            </a:r>
-            <a:r>
-              <a:rPr lang="en-US" sz="1800" dirty="0" err="1">
+              <a:rPr lang="en-US" sz="2000" dirty="0">
+                <a:effectLst/>
+                <a:latin typeface="Times New Roman" panose="02020603050405020304" pitchFamily="18" charset="0"/>
+                <a:ea typeface="Arial" panose="020B0604020202020204" pitchFamily="34" charset="0"/>
+              </a:rPr>
+              <a:t> </a:t>
+            </a:r>
+            <a:r>
+              <a:rPr lang="en-US" sz="2000" dirty="0" err="1">
                 <a:effectLst/>
                 <a:latin typeface="Times New Roman" panose="02020603050405020304" pitchFamily="18" charset="0"/>
                 <a:ea typeface="Arial" panose="020B0604020202020204" pitchFamily="34" charset="0"/>
@@ -6337,15 +6337,15 @@
               <a:t>đỉnh</a:t>
             </a:r>
             <a:r>
-              <a:rPr lang="en-US" sz="1800" dirty="0">
-                <a:effectLst/>
-                <a:latin typeface="Times New Roman" panose="02020603050405020304" pitchFamily="18" charset="0"/>
-                <a:ea typeface="Arial" panose="020B0604020202020204" pitchFamily="34" charset="0"/>
-              </a:rPr>
-              <a:t> </a:t>
-            </a:r>
-            <a:r>
-              <a:rPr lang="en-US" sz="1800" dirty="0" err="1">
+              <a:rPr lang="en-US" sz="2000" dirty="0">
+                <a:effectLst/>
+                <a:latin typeface="Times New Roman" panose="02020603050405020304" pitchFamily="18" charset="0"/>
+                <a:ea typeface="Arial" panose="020B0604020202020204" pitchFamily="34" charset="0"/>
+              </a:rPr>
+              <a:t> </a:t>
+            </a:r>
+            <a:r>
+              <a:rPr lang="en-US" sz="2000" dirty="0" err="1">
                 <a:effectLst/>
                 <a:latin typeface="Times New Roman" panose="02020603050405020304" pitchFamily="18" charset="0"/>
                 <a:ea typeface="Arial" panose="020B0604020202020204" pitchFamily="34" charset="0"/>
@@ -6353,15 +6353,15 @@
               <a:t>kết</a:t>
             </a:r>
             <a:r>
-              <a:rPr lang="en-US" sz="1800" dirty="0">
-                <a:effectLst/>
-                <a:latin typeface="Times New Roman" panose="02020603050405020304" pitchFamily="18" charset="0"/>
-                <a:ea typeface="Arial" panose="020B0604020202020204" pitchFamily="34" charset="0"/>
-              </a:rPr>
-              <a:t> </a:t>
-            </a:r>
-            <a:r>
-              <a:rPr lang="en-US" sz="1800" dirty="0" err="1">
+              <a:rPr lang="en-US" sz="2000" dirty="0">
+                <a:effectLst/>
+                <a:latin typeface="Times New Roman" panose="02020603050405020304" pitchFamily="18" charset="0"/>
+                <a:ea typeface="Arial" panose="020B0604020202020204" pitchFamily="34" charset="0"/>
+              </a:rPr>
+              <a:t> </a:t>
+            </a:r>
+            <a:r>
+              <a:rPr lang="en-US" sz="2000" dirty="0" err="1">
                 <a:effectLst/>
                 <a:latin typeface="Times New Roman" panose="02020603050405020304" pitchFamily="18" charset="0"/>
                 <a:ea typeface="Arial" panose="020B0604020202020204" pitchFamily="34" charset="0"/>
@@ -6369,15 +6369,15 @@
               <a:t>nối</a:t>
             </a:r>
             <a:r>
-              <a:rPr lang="en-US" sz="1800" dirty="0">
-                <a:effectLst/>
-                <a:latin typeface="Times New Roman" panose="02020603050405020304" pitchFamily="18" charset="0"/>
-                <a:ea typeface="Arial" panose="020B0604020202020204" pitchFamily="34" charset="0"/>
-              </a:rPr>
-              <a:t> </a:t>
-            </a:r>
-            <a:r>
-              <a:rPr lang="en-US" sz="1800" dirty="0" err="1">
+              <a:rPr lang="en-US" sz="2000" dirty="0">
+                <a:effectLst/>
+                <a:latin typeface="Times New Roman" panose="02020603050405020304" pitchFamily="18" charset="0"/>
+                <a:ea typeface="Arial" panose="020B0604020202020204" pitchFamily="34" charset="0"/>
+              </a:rPr>
+              <a:t> </a:t>
+            </a:r>
+            <a:r>
+              <a:rPr lang="en-US" sz="2000" dirty="0" err="1">
                 <a:effectLst/>
                 <a:latin typeface="Times New Roman" panose="02020603050405020304" pitchFamily="18" charset="0"/>
                 <a:ea typeface="Arial" panose="020B0604020202020204" pitchFamily="34" charset="0"/>
@@ -6385,15 +6385,15 @@
               <a:t>đến</a:t>
             </a:r>
             <a:r>
-              <a:rPr lang="en-US" sz="1800" dirty="0">
-                <a:effectLst/>
-                <a:latin typeface="Times New Roman" panose="02020603050405020304" pitchFamily="18" charset="0"/>
-                <a:ea typeface="Arial" panose="020B0604020202020204" pitchFamily="34" charset="0"/>
-              </a:rPr>
-              <a:t> </a:t>
-            </a:r>
-            <a:r>
-              <a:rPr lang="en-US" sz="1800" dirty="0" err="1">
+              <a:rPr lang="en-US" sz="2000" dirty="0">
+                <a:effectLst/>
+                <a:latin typeface="Times New Roman" panose="02020603050405020304" pitchFamily="18" charset="0"/>
+                <a:ea typeface="Arial" panose="020B0604020202020204" pitchFamily="34" charset="0"/>
+              </a:rPr>
+              <a:t> </a:t>
+            </a:r>
+            <a:r>
+              <a:rPr lang="en-US" sz="2000" dirty="0" err="1">
                 <a:effectLst/>
                 <a:latin typeface="Times New Roman" panose="02020603050405020304" pitchFamily="18" charset="0"/>
                 <a:ea typeface="Arial" panose="020B0604020202020204" pitchFamily="34" charset="0"/>
@@ -6401,7 +6401,7 @@
               <a:t>Vdd</a:t>
             </a:r>
             <a:r>
-              <a:rPr lang="en-US" sz="1800" dirty="0">
+              <a:rPr lang="en-US" sz="2000" dirty="0">
                 <a:effectLst/>
                 <a:latin typeface="Times New Roman" panose="02020603050405020304" pitchFamily="18" charset="0"/>
                 <a:ea typeface="Arial" panose="020B0604020202020204" pitchFamily="34" charset="0"/>
@@ -6409,7 +6409,7 @@
               <a:t>(</a:t>
             </a:r>
             <a:r>
-              <a:rPr lang="en-US" sz="1800" dirty="0" err="1">
+              <a:rPr lang="en-US" sz="2000" dirty="0" err="1">
                 <a:effectLst/>
                 <a:latin typeface="Times New Roman" panose="02020603050405020304" pitchFamily="18" charset="0"/>
                 <a:ea typeface="Arial" panose="020B0604020202020204" pitchFamily="34" charset="0"/>
@@ -6417,7 +6417,7 @@
               <a:t>source_nodes_pmos</a:t>
             </a:r>
             <a:r>
-              <a:rPr lang="en-US" sz="1800" dirty="0">
+              <a:rPr lang="en-US" sz="2000" dirty="0">
                 <a:effectLst/>
                 <a:latin typeface="Times New Roman" panose="02020603050405020304" pitchFamily="18" charset="0"/>
                 <a:ea typeface="Arial" panose="020B0604020202020204" pitchFamily="34" charset="0"/>
@@ -6480,7 +6480,7 @@
               <a:buChar char="-"/>
             </a:pPr>
             <a:r>
-              <a:rPr lang="en-US" sz="1800" dirty="0">
+              <a:rPr lang="en-US" sz="2000" dirty="0">
                 <a:effectLst/>
                 <a:latin typeface="Times New Roman" panose="02020603050405020304" pitchFamily="18" charset="0"/>
                 <a:ea typeface="Arial" panose="020B0604020202020204" pitchFamily="34" charset="0"/>
@@ -6488,7 +6488,7 @@
               <a:t>Ta </a:t>
             </a:r>
             <a:r>
-              <a:rPr lang="en-US" sz="1800" dirty="0" err="1">
+              <a:rPr lang="en-US" sz="2000" dirty="0" err="1">
                 <a:effectLst/>
                 <a:latin typeface="Times New Roman" panose="02020603050405020304" pitchFamily="18" charset="0"/>
                 <a:ea typeface="Arial" panose="020B0604020202020204" pitchFamily="34" charset="0"/>
@@ -6496,15 +6496,15 @@
               <a:t>thực</a:t>
             </a:r>
             <a:r>
-              <a:rPr lang="en-US" sz="1800" dirty="0">
-                <a:effectLst/>
-                <a:latin typeface="Times New Roman" panose="02020603050405020304" pitchFamily="18" charset="0"/>
-                <a:ea typeface="Arial" panose="020B0604020202020204" pitchFamily="34" charset="0"/>
-              </a:rPr>
-              <a:t> </a:t>
-            </a:r>
-            <a:r>
-              <a:rPr lang="en-US" sz="1800" dirty="0" err="1">
+              <a:rPr lang="en-US" sz="2000" dirty="0">
+                <a:effectLst/>
+                <a:latin typeface="Times New Roman" panose="02020603050405020304" pitchFamily="18" charset="0"/>
+                <a:ea typeface="Arial" panose="020B0604020202020204" pitchFamily="34" charset="0"/>
+              </a:rPr>
+              <a:t> </a:t>
+            </a:r>
+            <a:r>
+              <a:rPr lang="en-US" sz="2000" dirty="0" err="1">
                 <a:effectLst/>
                 <a:latin typeface="Times New Roman" panose="02020603050405020304" pitchFamily="18" charset="0"/>
                 <a:ea typeface="Arial" panose="020B0604020202020204" pitchFamily="34" charset="0"/>
@@ -6512,15 +6512,15 @@
               <a:t>hiện</a:t>
             </a:r>
             <a:r>
-              <a:rPr lang="en-US" sz="1800" dirty="0">
-                <a:effectLst/>
-                <a:latin typeface="Times New Roman" panose="02020603050405020304" pitchFamily="18" charset="0"/>
-                <a:ea typeface="Arial" panose="020B0604020202020204" pitchFamily="34" charset="0"/>
-              </a:rPr>
-              <a:t> </a:t>
-            </a:r>
-            <a:r>
-              <a:rPr lang="en-US" sz="1800" dirty="0" err="1">
+              <a:rPr lang="en-US" sz="2000" dirty="0">
+                <a:effectLst/>
+                <a:latin typeface="Times New Roman" panose="02020603050405020304" pitchFamily="18" charset="0"/>
+                <a:ea typeface="Arial" panose="020B0604020202020204" pitchFamily="34" charset="0"/>
+              </a:rPr>
+              <a:t> </a:t>
+            </a:r>
+            <a:r>
+              <a:rPr lang="en-US" sz="2000" dirty="0" err="1">
                 <a:effectLst/>
                 <a:latin typeface="Times New Roman" panose="02020603050405020304" pitchFamily="18" charset="0"/>
                 <a:ea typeface="Arial" panose="020B0604020202020204" pitchFamily="34" charset="0"/>
@@ -6528,15 +6528,15 @@
               <a:t>việc</a:t>
             </a:r>
             <a:r>
-              <a:rPr lang="en-US" sz="1800" dirty="0">
-                <a:effectLst/>
-                <a:latin typeface="Times New Roman" panose="02020603050405020304" pitchFamily="18" charset="0"/>
-                <a:ea typeface="Arial" panose="020B0604020202020204" pitchFamily="34" charset="0"/>
-              </a:rPr>
-              <a:t> </a:t>
-            </a:r>
-            <a:r>
-              <a:rPr lang="en-US" sz="1800" dirty="0" err="1">
+              <a:rPr lang="en-US" sz="2000" dirty="0">
+                <a:effectLst/>
+                <a:latin typeface="Times New Roman" panose="02020603050405020304" pitchFamily="18" charset="0"/>
+                <a:ea typeface="Arial" panose="020B0604020202020204" pitchFamily="34" charset="0"/>
+              </a:rPr>
+              <a:t> </a:t>
+            </a:r>
+            <a:r>
+              <a:rPr lang="en-US" sz="2000" dirty="0" err="1">
                 <a:effectLst/>
                 <a:latin typeface="Times New Roman" panose="02020603050405020304" pitchFamily="18" charset="0"/>
                 <a:ea typeface="Arial" panose="020B0604020202020204" pitchFamily="34" charset="0"/>
@@ -6544,15 +6544,15 @@
               <a:t>này</a:t>
             </a:r>
             <a:r>
-              <a:rPr lang="en-US" sz="1800" dirty="0">
-                <a:effectLst/>
-                <a:latin typeface="Times New Roman" panose="02020603050405020304" pitchFamily="18" charset="0"/>
-                <a:ea typeface="Arial" panose="020B0604020202020204" pitchFamily="34" charset="0"/>
-              </a:rPr>
-              <a:t> </a:t>
-            </a:r>
-            <a:r>
-              <a:rPr lang="en-US" sz="1800" dirty="0" err="1">
+              <a:rPr lang="en-US" sz="2000" dirty="0">
+                <a:effectLst/>
+                <a:latin typeface="Times New Roman" panose="02020603050405020304" pitchFamily="18" charset="0"/>
+                <a:ea typeface="Arial" panose="020B0604020202020204" pitchFamily="34" charset="0"/>
+              </a:rPr>
+              <a:t> </a:t>
+            </a:r>
+            <a:r>
+              <a:rPr lang="en-US" sz="2000" dirty="0" err="1">
                 <a:effectLst/>
                 <a:latin typeface="Times New Roman" panose="02020603050405020304" pitchFamily="18" charset="0"/>
                 <a:ea typeface="Arial" panose="020B0604020202020204" pitchFamily="34" charset="0"/>
@@ -6560,15 +6560,15 @@
               <a:t>vì</a:t>
             </a:r>
             <a:r>
-              <a:rPr lang="en-US" sz="1800" dirty="0">
-                <a:effectLst/>
-                <a:latin typeface="Times New Roman" panose="02020603050405020304" pitchFamily="18" charset="0"/>
-                <a:ea typeface="Arial" panose="020B0604020202020204" pitchFamily="34" charset="0"/>
-              </a:rPr>
-              <a:t> </a:t>
-            </a:r>
-            <a:r>
-              <a:rPr lang="en-US" sz="1800" dirty="0" err="1">
+              <a:rPr lang="en-US" sz="2000" dirty="0">
+                <a:effectLst/>
+                <a:latin typeface="Times New Roman" panose="02020603050405020304" pitchFamily="18" charset="0"/>
+                <a:ea typeface="Arial" panose="020B0604020202020204" pitchFamily="34" charset="0"/>
+              </a:rPr>
+              <a:t> </a:t>
+            </a:r>
+            <a:r>
+              <a:rPr lang="en-US" sz="2000" dirty="0" err="1">
                 <a:effectLst/>
                 <a:latin typeface="Times New Roman" panose="02020603050405020304" pitchFamily="18" charset="0"/>
                 <a:ea typeface="Arial" panose="020B0604020202020204" pitchFamily="34" charset="0"/>
@@ -6576,15 +6576,15 @@
               <a:t>mục</a:t>
             </a:r>
             <a:r>
-              <a:rPr lang="en-US" sz="1800" dirty="0">
-                <a:effectLst/>
-                <a:latin typeface="Times New Roman" panose="02020603050405020304" pitchFamily="18" charset="0"/>
-                <a:ea typeface="Arial" panose="020B0604020202020204" pitchFamily="34" charset="0"/>
-              </a:rPr>
-              <a:t> </a:t>
-            </a:r>
-            <a:r>
-              <a:rPr lang="en-US" sz="1800" dirty="0" err="1">
+              <a:rPr lang="en-US" sz="2000" dirty="0">
+                <a:effectLst/>
+                <a:latin typeface="Times New Roman" panose="02020603050405020304" pitchFamily="18" charset="0"/>
+                <a:ea typeface="Arial" panose="020B0604020202020204" pitchFamily="34" charset="0"/>
+              </a:rPr>
+              <a:t> </a:t>
+            </a:r>
+            <a:r>
+              <a:rPr lang="en-US" sz="2000" dirty="0" err="1">
                 <a:effectLst/>
                 <a:latin typeface="Times New Roman" panose="02020603050405020304" pitchFamily="18" charset="0"/>
                 <a:ea typeface="Arial" panose="020B0604020202020204" pitchFamily="34" charset="0"/>
@@ -6592,15 +6592,15 @@
               <a:t>đích</a:t>
             </a:r>
             <a:r>
-              <a:rPr lang="en-US" sz="1800" dirty="0">
-                <a:effectLst/>
-                <a:latin typeface="Times New Roman" panose="02020603050405020304" pitchFamily="18" charset="0"/>
-                <a:ea typeface="Arial" panose="020B0604020202020204" pitchFamily="34" charset="0"/>
-              </a:rPr>
-              <a:t> </a:t>
-            </a:r>
-            <a:r>
-              <a:rPr lang="en-US" sz="1800" dirty="0" err="1">
+              <a:rPr lang="en-US" sz="2000" dirty="0">
+                <a:effectLst/>
+                <a:latin typeface="Times New Roman" panose="02020603050405020304" pitchFamily="18" charset="0"/>
+                <a:ea typeface="Arial" panose="020B0604020202020204" pitchFamily="34" charset="0"/>
+              </a:rPr>
+              <a:t> </a:t>
+            </a:r>
+            <a:r>
+              <a:rPr lang="en-US" sz="2000" dirty="0" err="1">
                 <a:effectLst/>
                 <a:latin typeface="Times New Roman" panose="02020603050405020304" pitchFamily="18" charset="0"/>
                 <a:ea typeface="Arial" panose="020B0604020202020204" pitchFamily="34" charset="0"/>
@@ -6608,15 +6608,15 @@
               <a:t>khi</a:t>
             </a:r>
             <a:r>
-              <a:rPr lang="en-US" sz="1800" dirty="0">
-                <a:effectLst/>
-                <a:latin typeface="Times New Roman" panose="02020603050405020304" pitchFamily="18" charset="0"/>
-                <a:ea typeface="Arial" panose="020B0604020202020204" pitchFamily="34" charset="0"/>
-              </a:rPr>
-              <a:t> </a:t>
-            </a:r>
-            <a:r>
-              <a:rPr lang="en-US" sz="1800" dirty="0" err="1">
+              <a:rPr lang="en-US" sz="2000" dirty="0">
+                <a:effectLst/>
+                <a:latin typeface="Times New Roman" panose="02020603050405020304" pitchFamily="18" charset="0"/>
+                <a:ea typeface="Arial" panose="020B0604020202020204" pitchFamily="34" charset="0"/>
+              </a:rPr>
+              <a:t> </a:t>
+            </a:r>
+            <a:r>
+              <a:rPr lang="en-US" sz="2000" dirty="0" err="1">
                 <a:effectLst/>
                 <a:latin typeface="Times New Roman" panose="02020603050405020304" pitchFamily="18" charset="0"/>
                 <a:ea typeface="Arial" panose="020B0604020202020204" pitchFamily="34" charset="0"/>
@@ -6624,15 +6624,15 @@
               <a:t>vẽ</a:t>
             </a:r>
             <a:r>
-              <a:rPr lang="en-US" sz="1800" dirty="0">
-                <a:effectLst/>
-                <a:latin typeface="Times New Roman" panose="02020603050405020304" pitchFamily="18" charset="0"/>
-                <a:ea typeface="Arial" panose="020B0604020202020204" pitchFamily="34" charset="0"/>
-              </a:rPr>
-              <a:t> </a:t>
-            </a:r>
-            <a:r>
-              <a:rPr lang="en-US" sz="1800" dirty="0" err="1">
+              <a:rPr lang="en-US" sz="2000" dirty="0">
+                <a:effectLst/>
+                <a:latin typeface="Times New Roman" panose="02020603050405020304" pitchFamily="18" charset="0"/>
+                <a:ea typeface="Arial" panose="020B0604020202020204" pitchFamily="34" charset="0"/>
+              </a:rPr>
+              <a:t> </a:t>
+            </a:r>
+            <a:r>
+              <a:rPr lang="en-US" sz="2000" dirty="0" err="1">
                 <a:effectLst/>
                 <a:latin typeface="Times New Roman" panose="02020603050405020304" pitchFamily="18" charset="0"/>
                 <a:ea typeface="Arial" panose="020B0604020202020204" pitchFamily="34" charset="0"/>
@@ -6640,15 +6640,15 @@
               <a:t>sẽ</a:t>
             </a:r>
             <a:r>
-              <a:rPr lang="en-US" sz="1800" dirty="0">
-                <a:effectLst/>
-                <a:latin typeface="Times New Roman" panose="02020603050405020304" pitchFamily="18" charset="0"/>
-                <a:ea typeface="Arial" panose="020B0604020202020204" pitchFamily="34" charset="0"/>
-              </a:rPr>
-              <a:t> </a:t>
-            </a:r>
-            <a:r>
-              <a:rPr lang="en-US" sz="1800" dirty="0" err="1">
+              <a:rPr lang="en-US" sz="2000" dirty="0">
+                <a:effectLst/>
+                <a:latin typeface="Times New Roman" panose="02020603050405020304" pitchFamily="18" charset="0"/>
+                <a:ea typeface="Arial" panose="020B0604020202020204" pitchFamily="34" charset="0"/>
+              </a:rPr>
+              <a:t> </a:t>
+            </a:r>
+            <a:r>
+              <a:rPr lang="en-US" sz="2000" dirty="0" err="1">
                 <a:effectLst/>
                 <a:latin typeface="Times New Roman" panose="02020603050405020304" pitchFamily="18" charset="0"/>
                 <a:ea typeface="Arial" panose="020B0604020202020204" pitchFamily="34" charset="0"/>
@@ -6656,15 +6656,15 @@
               <a:t>ưu</a:t>
             </a:r>
             <a:r>
-              <a:rPr lang="en-US" sz="1800" dirty="0">
-                <a:effectLst/>
-                <a:latin typeface="Times New Roman" panose="02020603050405020304" pitchFamily="18" charset="0"/>
-                <a:ea typeface="Arial" panose="020B0604020202020204" pitchFamily="34" charset="0"/>
-              </a:rPr>
-              <a:t> </a:t>
-            </a:r>
-            <a:r>
-              <a:rPr lang="en-US" sz="1800" dirty="0" err="1">
+              <a:rPr lang="en-US" sz="2000" dirty="0">
+                <a:effectLst/>
+                <a:latin typeface="Times New Roman" panose="02020603050405020304" pitchFamily="18" charset="0"/>
+                <a:ea typeface="Arial" panose="020B0604020202020204" pitchFamily="34" charset="0"/>
+              </a:rPr>
+              <a:t> </a:t>
+            </a:r>
+            <a:r>
+              <a:rPr lang="en-US" sz="2000" dirty="0" err="1">
                 <a:effectLst/>
                 <a:latin typeface="Times New Roman" panose="02020603050405020304" pitchFamily="18" charset="0"/>
                 <a:ea typeface="Arial" panose="020B0604020202020204" pitchFamily="34" charset="0"/>
@@ -6672,15 +6672,15 @@
               <a:t>tiên</a:t>
             </a:r>
             <a:r>
-              <a:rPr lang="en-US" sz="1800" dirty="0">
-                <a:effectLst/>
-                <a:latin typeface="Times New Roman" panose="02020603050405020304" pitchFamily="18" charset="0"/>
-                <a:ea typeface="Arial" panose="020B0604020202020204" pitchFamily="34" charset="0"/>
-              </a:rPr>
-              <a:t> </a:t>
-            </a:r>
-            <a:r>
-              <a:rPr lang="en-US" sz="1800" dirty="0" err="1">
+              <a:rPr lang="en-US" sz="2000" dirty="0">
+                <a:effectLst/>
+                <a:latin typeface="Times New Roman" panose="02020603050405020304" pitchFamily="18" charset="0"/>
+                <a:ea typeface="Arial" panose="020B0604020202020204" pitchFamily="34" charset="0"/>
+              </a:rPr>
+              <a:t> </a:t>
+            </a:r>
+            <a:r>
+              <a:rPr lang="en-US" sz="2000" dirty="0" err="1">
                 <a:effectLst/>
                 <a:latin typeface="Times New Roman" panose="02020603050405020304" pitchFamily="18" charset="0"/>
                 <a:ea typeface="Arial" panose="020B0604020202020204" pitchFamily="34" charset="0"/>
@@ -6688,15 +6688,15 @@
               <a:t>các</a:t>
             </a:r>
             <a:r>
-              <a:rPr lang="en-US" sz="1800" dirty="0">
-                <a:effectLst/>
-                <a:latin typeface="Times New Roman" panose="02020603050405020304" pitchFamily="18" charset="0"/>
-                <a:ea typeface="Arial" panose="020B0604020202020204" pitchFamily="34" charset="0"/>
-              </a:rPr>
-              <a:t> </a:t>
-            </a:r>
-            <a:r>
-              <a:rPr lang="en-US" sz="1800" dirty="0" err="1">
+              <a:rPr lang="en-US" sz="2000" dirty="0">
+                <a:effectLst/>
+                <a:latin typeface="Times New Roman" panose="02020603050405020304" pitchFamily="18" charset="0"/>
+                <a:ea typeface="Arial" panose="020B0604020202020204" pitchFamily="34" charset="0"/>
+              </a:rPr>
+              <a:t> </a:t>
+            </a:r>
+            <a:r>
+              <a:rPr lang="en-US" sz="2000" dirty="0" err="1">
                 <a:effectLst/>
                 <a:latin typeface="Times New Roman" panose="02020603050405020304" pitchFamily="18" charset="0"/>
                 <a:ea typeface="Arial" panose="020B0604020202020204" pitchFamily="34" charset="0"/>
@@ -6704,15 +6704,15 @@
               <a:t>đỉnh</a:t>
             </a:r>
             <a:r>
-              <a:rPr lang="en-US" sz="1800" dirty="0">
-                <a:effectLst/>
-                <a:latin typeface="Times New Roman" panose="02020603050405020304" pitchFamily="18" charset="0"/>
-                <a:ea typeface="Arial" panose="020B0604020202020204" pitchFamily="34" charset="0"/>
-              </a:rPr>
-              <a:t> </a:t>
-            </a:r>
-            <a:r>
-              <a:rPr lang="en-US" sz="1800" dirty="0" err="1">
+              <a:rPr lang="en-US" sz="2000" dirty="0">
+                <a:effectLst/>
+                <a:latin typeface="Times New Roman" panose="02020603050405020304" pitchFamily="18" charset="0"/>
+                <a:ea typeface="Arial" panose="020B0604020202020204" pitchFamily="34" charset="0"/>
+              </a:rPr>
+              <a:t> </a:t>
+            </a:r>
+            <a:r>
+              <a:rPr lang="en-US" sz="2000" dirty="0" err="1">
                 <a:effectLst/>
                 <a:latin typeface="Times New Roman" panose="02020603050405020304" pitchFamily="18" charset="0"/>
                 <a:ea typeface="Arial" panose="020B0604020202020204" pitchFamily="34" charset="0"/>
@@ -6720,15 +6720,15 @@
               <a:t>liền</a:t>
             </a:r>
             <a:r>
-              <a:rPr lang="en-US" sz="1800" dirty="0">
-                <a:effectLst/>
-                <a:latin typeface="Times New Roman" panose="02020603050405020304" pitchFamily="18" charset="0"/>
-                <a:ea typeface="Arial" panose="020B0604020202020204" pitchFamily="34" charset="0"/>
-              </a:rPr>
-              <a:t> </a:t>
-            </a:r>
-            <a:r>
-              <a:rPr lang="en-US" sz="1800" dirty="0" err="1">
+              <a:rPr lang="en-US" sz="2000" dirty="0">
+                <a:effectLst/>
+                <a:latin typeface="Times New Roman" panose="02020603050405020304" pitchFamily="18" charset="0"/>
+                <a:ea typeface="Arial" panose="020B0604020202020204" pitchFamily="34" charset="0"/>
+              </a:rPr>
+              <a:t> </a:t>
+            </a:r>
+            <a:r>
+              <a:rPr lang="en-US" sz="2000" dirty="0" err="1">
                 <a:effectLst/>
                 <a:latin typeface="Times New Roman" panose="02020603050405020304" pitchFamily="18" charset="0"/>
                 <a:ea typeface="Arial" panose="020B0604020202020204" pitchFamily="34" charset="0"/>
@@ -6736,15 +6736,15 @@
               <a:t>kề</a:t>
             </a:r>
             <a:r>
-              <a:rPr lang="en-US" sz="1800" dirty="0">
-                <a:effectLst/>
-                <a:latin typeface="Times New Roman" panose="02020603050405020304" pitchFamily="18" charset="0"/>
-                <a:ea typeface="Arial" panose="020B0604020202020204" pitchFamily="34" charset="0"/>
-              </a:rPr>
-              <a:t> </a:t>
-            </a:r>
-            <a:r>
-              <a:rPr lang="en-US" sz="1800" dirty="0" err="1">
+              <a:rPr lang="en-US" sz="2000" dirty="0">
+                <a:effectLst/>
+                <a:latin typeface="Times New Roman" panose="02020603050405020304" pitchFamily="18" charset="0"/>
+                <a:ea typeface="Arial" panose="020B0604020202020204" pitchFamily="34" charset="0"/>
+              </a:rPr>
+              <a:t> </a:t>
+            </a:r>
+            <a:r>
+              <a:rPr lang="en-US" sz="2000" dirty="0" err="1">
                 <a:effectLst/>
                 <a:latin typeface="Times New Roman" panose="02020603050405020304" pitchFamily="18" charset="0"/>
                 <a:ea typeface="Arial" panose="020B0604020202020204" pitchFamily="34" charset="0"/>
@@ -6752,15 +6752,15 @@
               <a:t>để</a:t>
             </a:r>
             <a:r>
-              <a:rPr lang="en-US" sz="1800" dirty="0">
-                <a:effectLst/>
-                <a:latin typeface="Times New Roman" panose="02020603050405020304" pitchFamily="18" charset="0"/>
-                <a:ea typeface="Arial" panose="020B0604020202020204" pitchFamily="34" charset="0"/>
-              </a:rPr>
-              <a:t> </a:t>
-            </a:r>
-            <a:r>
-              <a:rPr lang="en-US" sz="1800" dirty="0" err="1">
+              <a:rPr lang="en-US" sz="2000" dirty="0">
+                <a:effectLst/>
+                <a:latin typeface="Times New Roman" panose="02020603050405020304" pitchFamily="18" charset="0"/>
+                <a:ea typeface="Arial" panose="020B0604020202020204" pitchFamily="34" charset="0"/>
+              </a:rPr>
+              <a:t> </a:t>
+            </a:r>
+            <a:r>
+              <a:rPr lang="en-US" sz="2000" dirty="0" err="1">
                 <a:effectLst/>
                 <a:latin typeface="Times New Roman" panose="02020603050405020304" pitchFamily="18" charset="0"/>
                 <a:ea typeface="Arial" panose="020B0604020202020204" pitchFamily="34" charset="0"/>
@@ -6768,15 +6768,15 @@
               <a:t>vẽ</a:t>
             </a:r>
             <a:r>
-              <a:rPr lang="en-US" sz="1800" dirty="0">
-                <a:effectLst/>
-                <a:latin typeface="Times New Roman" panose="02020603050405020304" pitchFamily="18" charset="0"/>
-                <a:ea typeface="Arial" panose="020B0604020202020204" pitchFamily="34" charset="0"/>
-              </a:rPr>
-              <a:t> </a:t>
-            </a:r>
-            <a:r>
-              <a:rPr lang="en-US" sz="1800" dirty="0" err="1">
+              <a:rPr lang="en-US" sz="2000" dirty="0">
+                <a:effectLst/>
+                <a:latin typeface="Times New Roman" panose="02020603050405020304" pitchFamily="18" charset="0"/>
+                <a:ea typeface="Arial" panose="020B0604020202020204" pitchFamily="34" charset="0"/>
+              </a:rPr>
+              <a:t> </a:t>
+            </a:r>
+            <a:r>
+              <a:rPr lang="en-US" sz="2000" dirty="0" err="1">
                 <a:effectLst/>
                 <a:latin typeface="Times New Roman" panose="02020603050405020304" pitchFamily="18" charset="0"/>
                 <a:ea typeface="Arial" panose="020B0604020202020204" pitchFamily="34" charset="0"/>
@@ -6784,15 +6784,15 @@
               <a:t>duy</a:t>
             </a:r>
             <a:r>
-              <a:rPr lang="en-US" sz="1800" dirty="0">
-                <a:effectLst/>
-                <a:latin typeface="Times New Roman" panose="02020603050405020304" pitchFamily="18" charset="0"/>
-                <a:ea typeface="Arial" panose="020B0604020202020204" pitchFamily="34" charset="0"/>
-              </a:rPr>
-              <a:t> </a:t>
-            </a:r>
-            <a:r>
-              <a:rPr lang="en-US" sz="1800" dirty="0" err="1">
+              <a:rPr lang="en-US" sz="2000" dirty="0">
+                <a:effectLst/>
+                <a:latin typeface="Times New Roman" panose="02020603050405020304" pitchFamily="18" charset="0"/>
+                <a:ea typeface="Arial" panose="020B0604020202020204" pitchFamily="34" charset="0"/>
+              </a:rPr>
+              <a:t> </a:t>
+            </a:r>
+            <a:r>
+              <a:rPr lang="en-US" sz="2000" dirty="0" err="1">
                 <a:effectLst/>
                 <a:latin typeface="Times New Roman" panose="02020603050405020304" pitchFamily="18" charset="0"/>
                 <a:ea typeface="Arial" panose="020B0604020202020204" pitchFamily="34" charset="0"/>
@@ -6800,15 +6800,15 @@
               <a:t>nhất</a:t>
             </a:r>
             <a:r>
-              <a:rPr lang="en-US" sz="1800" dirty="0">
-                <a:effectLst/>
-                <a:latin typeface="Times New Roman" panose="02020603050405020304" pitchFamily="18" charset="0"/>
-                <a:ea typeface="Arial" panose="020B0604020202020204" pitchFamily="34" charset="0"/>
-              </a:rPr>
-              <a:t> </a:t>
-            </a:r>
-            <a:r>
-              <a:rPr lang="en-US" sz="1800" dirty="0" err="1">
+              <a:rPr lang="en-US" sz="2000" dirty="0">
+                <a:effectLst/>
+                <a:latin typeface="Times New Roman" panose="02020603050405020304" pitchFamily="18" charset="0"/>
+                <a:ea typeface="Arial" panose="020B0604020202020204" pitchFamily="34" charset="0"/>
+              </a:rPr>
+              <a:t> </a:t>
+            </a:r>
+            <a:r>
+              <a:rPr lang="en-US" sz="2000" dirty="0" err="1">
                 <a:effectLst/>
                 <a:latin typeface="Times New Roman" panose="02020603050405020304" pitchFamily="18" charset="0"/>
                 <a:ea typeface="Arial" panose="020B0604020202020204" pitchFamily="34" charset="0"/>
@@ -6816,15 +6816,15 @@
               <a:t>một</a:t>
             </a:r>
             <a:r>
-              <a:rPr lang="en-US" sz="1800" dirty="0">
-                <a:effectLst/>
-                <a:latin typeface="Times New Roman" panose="02020603050405020304" pitchFamily="18" charset="0"/>
-                <a:ea typeface="Arial" panose="020B0604020202020204" pitchFamily="34" charset="0"/>
-              </a:rPr>
-              <a:t> </a:t>
-            </a:r>
-            <a:r>
-              <a:rPr lang="en-US" sz="1800" dirty="0" err="1">
+              <a:rPr lang="en-US" sz="2000" dirty="0">
+                <a:effectLst/>
+                <a:latin typeface="Times New Roman" panose="02020603050405020304" pitchFamily="18" charset="0"/>
+                <a:ea typeface="Arial" panose="020B0604020202020204" pitchFamily="34" charset="0"/>
+              </a:rPr>
+              <a:t> </a:t>
+            </a:r>
+            <a:r>
+              <a:rPr lang="en-US" sz="2000" dirty="0" err="1">
                 <a:effectLst/>
                 <a:latin typeface="Times New Roman" panose="02020603050405020304" pitchFamily="18" charset="0"/>
                 <a:ea typeface="Arial" panose="020B0604020202020204" pitchFamily="34" charset="0"/>
@@ -6832,7 +6832,7 @@
               <a:t>đường</a:t>
             </a:r>
             <a:r>
-              <a:rPr lang="en-US" sz="1800" dirty="0">
+              <a:rPr lang="en-US" sz="2000" dirty="0">
                 <a:effectLst/>
                 <a:latin typeface="Times New Roman" panose="02020603050405020304" pitchFamily="18" charset="0"/>
                 <a:ea typeface="Arial" panose="020B0604020202020204" pitchFamily="34" charset="0"/>
@@ -6840,7 +6840,7 @@
               <a:t> ở </a:t>
             </a:r>
             <a:r>
-              <a:rPr lang="en-US" sz="1800" dirty="0" err="1">
+              <a:rPr lang="en-US" sz="2000" dirty="0" err="1">
                 <a:effectLst/>
                 <a:latin typeface="Times New Roman" panose="02020603050405020304" pitchFamily="18" charset="0"/>
                 <a:ea typeface="Arial" panose="020B0604020202020204" pitchFamily="34" charset="0"/>
@@ -6848,15 +6848,15 @@
               <a:t>giữa</a:t>
             </a:r>
             <a:r>
-              <a:rPr lang="en-US" sz="1800" dirty="0">
-                <a:effectLst/>
-                <a:latin typeface="Times New Roman" panose="02020603050405020304" pitchFamily="18" charset="0"/>
-                <a:ea typeface="Arial" panose="020B0604020202020204" pitchFamily="34" charset="0"/>
-              </a:rPr>
-              <a:t> </a:t>
-            </a:r>
-            <a:r>
-              <a:rPr lang="en-US" sz="1800" dirty="0" err="1">
+              <a:rPr lang="en-US" sz="2000" dirty="0">
+                <a:effectLst/>
+                <a:latin typeface="Times New Roman" panose="02020603050405020304" pitchFamily="18" charset="0"/>
+                <a:ea typeface="Arial" panose="020B0604020202020204" pitchFamily="34" charset="0"/>
+              </a:rPr>
+              <a:t> </a:t>
+            </a:r>
+            <a:r>
+              <a:rPr lang="en-US" sz="2000" dirty="0" err="1">
                 <a:effectLst/>
                 <a:latin typeface="Times New Roman" panose="02020603050405020304" pitchFamily="18" charset="0"/>
                 <a:ea typeface="Arial" panose="020B0604020202020204" pitchFamily="34" charset="0"/>
@@ -6864,15 +6864,15 @@
               <a:t>hai</a:t>
             </a:r>
             <a:r>
-              <a:rPr lang="en-US" sz="1800" dirty="0">
-                <a:effectLst/>
-                <a:latin typeface="Times New Roman" panose="02020603050405020304" pitchFamily="18" charset="0"/>
-                <a:ea typeface="Arial" panose="020B0604020202020204" pitchFamily="34" charset="0"/>
-              </a:rPr>
-              <a:t> </a:t>
-            </a:r>
-            <a:r>
-              <a:rPr lang="en-US" sz="1800" dirty="0" err="1">
+              <a:rPr lang="en-US" sz="2000" dirty="0">
+                <a:effectLst/>
+                <a:latin typeface="Times New Roman" panose="02020603050405020304" pitchFamily="18" charset="0"/>
+                <a:ea typeface="Arial" panose="020B0604020202020204" pitchFamily="34" charset="0"/>
+              </a:rPr>
+              <a:t> </a:t>
+            </a:r>
+            <a:r>
+              <a:rPr lang="en-US" sz="2000" dirty="0" err="1">
                 <a:effectLst/>
                 <a:latin typeface="Times New Roman" panose="02020603050405020304" pitchFamily="18" charset="0"/>
                 <a:ea typeface="Arial" panose="020B0604020202020204" pitchFamily="34" charset="0"/>
@@ -6880,15 +6880,15 @@
               <a:t>đỉnh</a:t>
             </a:r>
             <a:r>
-              <a:rPr lang="en-US" sz="1800" dirty="0">
-                <a:effectLst/>
-                <a:latin typeface="Times New Roman" panose="02020603050405020304" pitchFamily="18" charset="0"/>
-                <a:ea typeface="Arial" panose="020B0604020202020204" pitchFamily="34" charset="0"/>
-              </a:rPr>
-              <a:t> </a:t>
-            </a:r>
-            <a:r>
-              <a:rPr lang="en-US" sz="1800" dirty="0" err="1">
+              <a:rPr lang="en-US" sz="2000" dirty="0">
+                <a:effectLst/>
+                <a:latin typeface="Times New Roman" panose="02020603050405020304" pitchFamily="18" charset="0"/>
+                <a:ea typeface="Arial" panose="020B0604020202020204" pitchFamily="34" charset="0"/>
+              </a:rPr>
+              <a:t> </a:t>
+            </a:r>
+            <a:r>
+              <a:rPr lang="en-US" sz="2000" dirty="0" err="1">
                 <a:effectLst/>
                 <a:latin typeface="Times New Roman" panose="02020603050405020304" pitchFamily="18" charset="0"/>
                 <a:ea typeface="Arial" panose="020B0604020202020204" pitchFamily="34" charset="0"/>
@@ -6896,15 +6896,15 @@
               <a:t>đó</a:t>
             </a:r>
             <a:r>
-              <a:rPr lang="en-US" sz="1800" dirty="0">
-                <a:effectLst/>
-                <a:latin typeface="Times New Roman" panose="02020603050405020304" pitchFamily="18" charset="0"/>
-                <a:ea typeface="Arial" panose="020B0604020202020204" pitchFamily="34" charset="0"/>
-              </a:rPr>
-              <a:t> </a:t>
-            </a:r>
-            <a:r>
-              <a:rPr lang="en-US" sz="1800" dirty="0" err="1">
+              <a:rPr lang="en-US" sz="2000" dirty="0">
+                <a:effectLst/>
+                <a:latin typeface="Times New Roman" panose="02020603050405020304" pitchFamily="18" charset="0"/>
+                <a:ea typeface="Arial" panose="020B0604020202020204" pitchFamily="34" charset="0"/>
+              </a:rPr>
+              <a:t> </a:t>
+            </a:r>
+            <a:r>
+              <a:rPr lang="en-US" sz="2000" dirty="0" err="1">
                 <a:effectLst/>
                 <a:latin typeface="Times New Roman" panose="02020603050405020304" pitchFamily="18" charset="0"/>
                 <a:ea typeface="Arial" panose="020B0604020202020204" pitchFamily="34" charset="0"/>
@@ -6912,15 +6912,15 @@
               <a:t>và</a:t>
             </a:r>
             <a:r>
-              <a:rPr lang="en-US" sz="1800" dirty="0">
-                <a:effectLst/>
-                <a:latin typeface="Times New Roman" panose="02020603050405020304" pitchFamily="18" charset="0"/>
-                <a:ea typeface="Arial" panose="020B0604020202020204" pitchFamily="34" charset="0"/>
-              </a:rPr>
-              <a:t> </a:t>
-            </a:r>
-            <a:r>
-              <a:rPr lang="en-US" sz="1800" dirty="0" err="1">
+              <a:rPr lang="en-US" sz="2000" dirty="0">
+                <a:effectLst/>
+                <a:latin typeface="Times New Roman" panose="02020603050405020304" pitchFamily="18" charset="0"/>
+                <a:ea typeface="Arial" panose="020B0604020202020204" pitchFamily="34" charset="0"/>
+              </a:rPr>
+              <a:t> </a:t>
+            </a:r>
+            <a:r>
+              <a:rPr lang="en-US" sz="2000" dirty="0" err="1">
                 <a:effectLst/>
                 <a:latin typeface="Times New Roman" panose="02020603050405020304" pitchFamily="18" charset="0"/>
                 <a:ea typeface="Arial" panose="020B0604020202020204" pitchFamily="34" charset="0"/>
@@ -6928,15 +6928,15 @@
               <a:t>các</a:t>
             </a:r>
             <a:r>
-              <a:rPr lang="en-US" sz="1800" dirty="0">
-                <a:effectLst/>
-                <a:latin typeface="Times New Roman" panose="02020603050405020304" pitchFamily="18" charset="0"/>
-                <a:ea typeface="Arial" panose="020B0604020202020204" pitchFamily="34" charset="0"/>
-              </a:rPr>
-              <a:t> </a:t>
-            </a:r>
-            <a:r>
-              <a:rPr lang="en-US" sz="1800" dirty="0" err="1">
+              <a:rPr lang="en-US" sz="2000" dirty="0">
+                <a:effectLst/>
+                <a:latin typeface="Times New Roman" panose="02020603050405020304" pitchFamily="18" charset="0"/>
+                <a:ea typeface="Arial" panose="020B0604020202020204" pitchFamily="34" charset="0"/>
+              </a:rPr>
+              <a:t> </a:t>
+            </a:r>
+            <a:r>
+              <a:rPr lang="en-US" sz="2000" dirty="0" err="1">
                 <a:effectLst/>
                 <a:latin typeface="Times New Roman" panose="02020603050405020304" pitchFamily="18" charset="0"/>
                 <a:ea typeface="Arial" panose="020B0604020202020204" pitchFamily="34" charset="0"/>
@@ -6944,15 +6944,15 @@
               <a:t>đỉnh</a:t>
             </a:r>
             <a:r>
-              <a:rPr lang="en-US" sz="1800" dirty="0">
-                <a:effectLst/>
-                <a:latin typeface="Times New Roman" panose="02020603050405020304" pitchFamily="18" charset="0"/>
-                <a:ea typeface="Arial" panose="020B0604020202020204" pitchFamily="34" charset="0"/>
-              </a:rPr>
-              <a:t> </a:t>
-            </a:r>
-            <a:r>
-              <a:rPr lang="en-US" sz="1800" dirty="0" err="1">
+              <a:rPr lang="en-US" sz="2000" dirty="0">
+                <a:effectLst/>
+                <a:latin typeface="Times New Roman" panose="02020603050405020304" pitchFamily="18" charset="0"/>
+                <a:ea typeface="Arial" panose="020B0604020202020204" pitchFamily="34" charset="0"/>
+              </a:rPr>
+              <a:t> </a:t>
+            </a:r>
+            <a:r>
+              <a:rPr lang="en-US" sz="2000" dirty="0" err="1">
                 <a:effectLst/>
                 <a:latin typeface="Times New Roman" panose="02020603050405020304" pitchFamily="18" charset="0"/>
                 <a:ea typeface="Arial" panose="020B0604020202020204" pitchFamily="34" charset="0"/>
@@ -6960,15 +6960,15 @@
               <a:t>không</a:t>
             </a:r>
             <a:r>
-              <a:rPr lang="en-US" sz="1800" dirty="0">
-                <a:effectLst/>
-                <a:latin typeface="Times New Roman" panose="02020603050405020304" pitchFamily="18" charset="0"/>
-                <a:ea typeface="Arial" panose="020B0604020202020204" pitchFamily="34" charset="0"/>
-              </a:rPr>
-              <a:t> </a:t>
-            </a:r>
-            <a:r>
-              <a:rPr lang="en-US" sz="1800" dirty="0" err="1">
+              <a:rPr lang="en-US" sz="2000" dirty="0">
+                <a:effectLst/>
+                <a:latin typeface="Times New Roman" panose="02020603050405020304" pitchFamily="18" charset="0"/>
+                <a:ea typeface="Arial" panose="020B0604020202020204" pitchFamily="34" charset="0"/>
+              </a:rPr>
+              <a:t> </a:t>
+            </a:r>
+            <a:r>
+              <a:rPr lang="en-US" sz="2000" dirty="0" err="1">
                 <a:effectLst/>
                 <a:latin typeface="Times New Roman" panose="02020603050405020304" pitchFamily="18" charset="0"/>
                 <a:ea typeface="Arial" panose="020B0604020202020204" pitchFamily="34" charset="0"/>
@@ -6976,15 +6976,15 @@
               <a:t>liền</a:t>
             </a:r>
             <a:r>
-              <a:rPr lang="en-US" sz="1800" dirty="0">
-                <a:effectLst/>
-                <a:latin typeface="Times New Roman" panose="02020603050405020304" pitchFamily="18" charset="0"/>
-                <a:ea typeface="Arial" panose="020B0604020202020204" pitchFamily="34" charset="0"/>
-              </a:rPr>
-              <a:t> </a:t>
-            </a:r>
-            <a:r>
-              <a:rPr lang="en-US" sz="1800" dirty="0" err="1">
+              <a:rPr lang="en-US" sz="2000" dirty="0">
+                <a:effectLst/>
+                <a:latin typeface="Times New Roman" panose="02020603050405020304" pitchFamily="18" charset="0"/>
+                <a:ea typeface="Arial" panose="020B0604020202020204" pitchFamily="34" charset="0"/>
+              </a:rPr>
+              <a:t> </a:t>
+            </a:r>
+            <a:r>
+              <a:rPr lang="en-US" sz="2000" dirty="0" err="1">
                 <a:effectLst/>
                 <a:latin typeface="Times New Roman" panose="02020603050405020304" pitchFamily="18" charset="0"/>
                 <a:ea typeface="Arial" panose="020B0604020202020204" pitchFamily="34" charset="0"/>
@@ -6992,15 +6992,15 @@
               <a:t>kề</a:t>
             </a:r>
             <a:r>
-              <a:rPr lang="en-US" sz="1800" dirty="0">
-                <a:effectLst/>
-                <a:latin typeface="Times New Roman" panose="02020603050405020304" pitchFamily="18" charset="0"/>
-                <a:ea typeface="Arial" panose="020B0604020202020204" pitchFamily="34" charset="0"/>
-              </a:rPr>
-              <a:t> </a:t>
-            </a:r>
-            <a:r>
-              <a:rPr lang="en-US" sz="1800" dirty="0" err="1">
+              <a:rPr lang="en-US" sz="2000" dirty="0">
+                <a:effectLst/>
+                <a:latin typeface="Times New Roman" panose="02020603050405020304" pitchFamily="18" charset="0"/>
+                <a:ea typeface="Arial" panose="020B0604020202020204" pitchFamily="34" charset="0"/>
+              </a:rPr>
+              <a:t> </a:t>
+            </a:r>
+            <a:r>
+              <a:rPr lang="en-US" sz="2000" dirty="0" err="1">
                 <a:effectLst/>
                 <a:latin typeface="Times New Roman" panose="02020603050405020304" pitchFamily="18" charset="0"/>
                 <a:ea typeface="Arial" panose="020B0604020202020204" pitchFamily="34" charset="0"/>
@@ -7008,15 +7008,15 @@
               <a:t>sẽ</a:t>
             </a:r>
             <a:r>
-              <a:rPr lang="en-US" sz="1800" dirty="0">
-                <a:effectLst/>
-                <a:latin typeface="Times New Roman" panose="02020603050405020304" pitchFamily="18" charset="0"/>
-                <a:ea typeface="Arial" panose="020B0604020202020204" pitchFamily="34" charset="0"/>
-              </a:rPr>
-              <a:t> </a:t>
-            </a:r>
-            <a:r>
-              <a:rPr lang="en-US" sz="1800" dirty="0" err="1">
+              <a:rPr lang="en-US" sz="2000" dirty="0">
+                <a:effectLst/>
+                <a:latin typeface="Times New Roman" panose="02020603050405020304" pitchFamily="18" charset="0"/>
+                <a:ea typeface="Arial" panose="020B0604020202020204" pitchFamily="34" charset="0"/>
+              </a:rPr>
+              <a:t> </a:t>
+            </a:r>
+            <a:r>
+              <a:rPr lang="en-US" sz="2000" dirty="0" err="1">
                 <a:effectLst/>
                 <a:latin typeface="Times New Roman" panose="02020603050405020304" pitchFamily="18" charset="0"/>
                 <a:ea typeface="Arial" panose="020B0604020202020204" pitchFamily="34" charset="0"/>
@@ -7024,15 +7024,15 @@
               <a:t>được</a:t>
             </a:r>
             <a:r>
-              <a:rPr lang="en-US" sz="1800" dirty="0">
-                <a:effectLst/>
-                <a:latin typeface="Times New Roman" panose="02020603050405020304" pitchFamily="18" charset="0"/>
-                <a:ea typeface="Arial" panose="020B0604020202020204" pitchFamily="34" charset="0"/>
-              </a:rPr>
-              <a:t> </a:t>
-            </a:r>
-            <a:r>
-              <a:rPr lang="en-US" sz="1800" dirty="0" err="1">
+              <a:rPr lang="en-US" sz="2000" dirty="0">
+                <a:effectLst/>
+                <a:latin typeface="Times New Roman" panose="02020603050405020304" pitchFamily="18" charset="0"/>
+                <a:ea typeface="Arial" panose="020B0604020202020204" pitchFamily="34" charset="0"/>
+              </a:rPr>
+              <a:t> </a:t>
+            </a:r>
+            <a:r>
+              <a:rPr lang="en-US" sz="2000" dirty="0" err="1">
                 <a:effectLst/>
                 <a:latin typeface="Times New Roman" panose="02020603050405020304" pitchFamily="18" charset="0"/>
                 <a:ea typeface="Arial" panose="020B0604020202020204" pitchFamily="34" charset="0"/>
@@ -7040,15 +7040,15 @@
               <a:t>vẽ</a:t>
             </a:r>
             <a:r>
-              <a:rPr lang="en-US" sz="1800" dirty="0">
-                <a:effectLst/>
-                <a:latin typeface="Times New Roman" panose="02020603050405020304" pitchFamily="18" charset="0"/>
-                <a:ea typeface="Arial" panose="020B0604020202020204" pitchFamily="34" charset="0"/>
-              </a:rPr>
-              <a:t> </a:t>
-            </a:r>
-            <a:r>
-              <a:rPr lang="en-US" sz="1800" dirty="0" err="1">
+              <a:rPr lang="en-US" sz="2000" dirty="0">
+                <a:effectLst/>
+                <a:latin typeface="Times New Roman" panose="02020603050405020304" pitchFamily="18" charset="0"/>
+                <a:ea typeface="Arial" panose="020B0604020202020204" pitchFamily="34" charset="0"/>
+              </a:rPr>
+              <a:t> </a:t>
+            </a:r>
+            <a:r>
+              <a:rPr lang="en-US" sz="2000" dirty="0" err="1">
                 <a:effectLst/>
                 <a:latin typeface="Times New Roman" panose="02020603050405020304" pitchFamily="18" charset="0"/>
                 <a:ea typeface="Arial" panose="020B0604020202020204" pitchFamily="34" charset="0"/>
@@ -7056,15 +7056,15 @@
               <a:t>theo</a:t>
             </a:r>
             <a:r>
-              <a:rPr lang="en-US" sz="1800" dirty="0">
-                <a:effectLst/>
-                <a:latin typeface="Times New Roman" panose="02020603050405020304" pitchFamily="18" charset="0"/>
-                <a:ea typeface="Arial" panose="020B0604020202020204" pitchFamily="34" charset="0"/>
-              </a:rPr>
-              <a:t> </a:t>
-            </a:r>
-            <a:r>
-              <a:rPr lang="en-US" sz="1800" dirty="0" err="1">
+              <a:rPr lang="en-US" sz="2000" dirty="0">
+                <a:effectLst/>
+                <a:latin typeface="Times New Roman" panose="02020603050405020304" pitchFamily="18" charset="0"/>
+                <a:ea typeface="Arial" panose="020B0604020202020204" pitchFamily="34" charset="0"/>
+              </a:rPr>
+              <a:t> </a:t>
+            </a:r>
+            <a:r>
+              <a:rPr lang="en-US" sz="2000" dirty="0" err="1">
                 <a:effectLst/>
                 <a:latin typeface="Times New Roman" panose="02020603050405020304" pitchFamily="18" charset="0"/>
                 <a:ea typeface="Arial" panose="020B0604020202020204" pitchFamily="34" charset="0"/>
@@ -7072,15 +7072,15 @@
               <a:t>sơ</a:t>
             </a:r>
             <a:r>
-              <a:rPr lang="en-US" sz="1800" dirty="0">
-                <a:effectLst/>
-                <a:latin typeface="Times New Roman" panose="02020603050405020304" pitchFamily="18" charset="0"/>
-                <a:ea typeface="Arial" panose="020B0604020202020204" pitchFamily="34" charset="0"/>
-              </a:rPr>
-              <a:t> </a:t>
-            </a:r>
-            <a:r>
-              <a:rPr lang="en-US" sz="1800" dirty="0" err="1">
+              <a:rPr lang="en-US" sz="2000" dirty="0">
+                <a:effectLst/>
+                <a:latin typeface="Times New Roman" panose="02020603050405020304" pitchFamily="18" charset="0"/>
+                <a:ea typeface="Arial" panose="020B0604020202020204" pitchFamily="34" charset="0"/>
+              </a:rPr>
+              <a:t> </a:t>
+            </a:r>
+            <a:r>
+              <a:rPr lang="en-US" sz="2000" dirty="0" err="1">
                 <a:effectLst/>
                 <a:latin typeface="Times New Roman" panose="02020603050405020304" pitchFamily="18" charset="0"/>
                 <a:ea typeface="Arial" panose="020B0604020202020204" pitchFamily="34" charset="0"/>
@@ -7088,15 +7088,15 @@
               <a:t>đồ</a:t>
             </a:r>
             <a:r>
-              <a:rPr lang="en-US" sz="1800" dirty="0">
-                <a:effectLst/>
-                <a:latin typeface="Times New Roman" panose="02020603050405020304" pitchFamily="18" charset="0"/>
-                <a:ea typeface="Arial" panose="020B0604020202020204" pitchFamily="34" charset="0"/>
-              </a:rPr>
-              <a:t> </a:t>
-            </a:r>
-            <a:r>
-              <a:rPr lang="en-US" sz="1800" dirty="0" err="1">
+              <a:rPr lang="en-US" sz="2000" dirty="0">
+                <a:effectLst/>
+                <a:latin typeface="Times New Roman" panose="02020603050405020304" pitchFamily="18" charset="0"/>
+                <a:ea typeface="Arial" panose="020B0604020202020204" pitchFamily="34" charset="0"/>
+              </a:rPr>
+              <a:t> </a:t>
+            </a:r>
+            <a:r>
+              <a:rPr lang="en-US" sz="2000" dirty="0" err="1">
                 <a:effectLst/>
                 <a:latin typeface="Times New Roman" panose="02020603050405020304" pitchFamily="18" charset="0"/>
                 <a:ea typeface="Arial" panose="020B0604020202020204" pitchFamily="34" charset="0"/>
@@ -7104,15 +7104,15 @@
               <a:t>giải</a:t>
             </a:r>
             <a:r>
-              <a:rPr lang="en-US" sz="1800" dirty="0">
-                <a:effectLst/>
-                <a:latin typeface="Times New Roman" panose="02020603050405020304" pitchFamily="18" charset="0"/>
-                <a:ea typeface="Arial" panose="020B0604020202020204" pitchFamily="34" charset="0"/>
-              </a:rPr>
-              <a:t> </a:t>
-            </a:r>
-            <a:r>
-              <a:rPr lang="en-US" sz="1800" dirty="0" err="1">
+              <a:rPr lang="en-US" sz="2000" dirty="0">
+                <a:effectLst/>
+                <a:latin typeface="Times New Roman" panose="02020603050405020304" pitchFamily="18" charset="0"/>
+                <a:ea typeface="Arial" panose="020B0604020202020204" pitchFamily="34" charset="0"/>
+              </a:rPr>
+              <a:t> </a:t>
+            </a:r>
+            <a:r>
+              <a:rPr lang="en-US" sz="2000" dirty="0" err="1">
                 <a:effectLst/>
                 <a:latin typeface="Times New Roman" panose="02020603050405020304" pitchFamily="18" charset="0"/>
                 <a:ea typeface="Arial" panose="020B0604020202020204" pitchFamily="34" charset="0"/>
@@ -7120,15 +7120,15 @@
               <a:t>thuật</a:t>
             </a:r>
             <a:r>
-              <a:rPr lang="en-US" sz="1800" dirty="0">
-                <a:effectLst/>
-                <a:latin typeface="Times New Roman" panose="02020603050405020304" pitchFamily="18" charset="0"/>
-                <a:ea typeface="Arial" panose="020B0604020202020204" pitchFamily="34" charset="0"/>
-              </a:rPr>
-              <a:t> </a:t>
-            </a:r>
-            <a:r>
-              <a:rPr lang="en-US" sz="1800" dirty="0" err="1">
+              <a:rPr lang="en-US" sz="2000" dirty="0">
+                <a:effectLst/>
+                <a:latin typeface="Times New Roman" panose="02020603050405020304" pitchFamily="18" charset="0"/>
+                <a:ea typeface="Arial" panose="020B0604020202020204" pitchFamily="34" charset="0"/>
+              </a:rPr>
+              <a:t> </a:t>
+            </a:r>
+            <a:r>
+              <a:rPr lang="en-US" sz="2000" dirty="0" err="1">
                 <a:effectLst/>
                 <a:latin typeface="Times New Roman" panose="02020603050405020304" pitchFamily="18" charset="0"/>
                 <a:ea typeface="Arial" panose="020B0604020202020204" pitchFamily="34" charset="0"/>
@@ -7136,7 +7136,7 @@
               <a:t>sau</a:t>
             </a:r>
             <a:r>
-              <a:rPr lang="en-US" sz="1800" dirty="0">
+              <a:rPr lang="en-US" sz="2000" dirty="0">
                 <a:effectLst/>
                 <a:latin typeface="Times New Roman" panose="02020603050405020304" pitchFamily="18" charset="0"/>
                 <a:ea typeface="Arial" panose="020B0604020202020204" pitchFamily="34" charset="0"/>
@@ -7186,7 +7186,7 @@
           <a:p>
             <a:fld id="{F7681EE8-9FE2-425D-8FB4-74C399BDEDA0}" type="datetime1">
               <a:rPr kumimoji="1" lang="en-US" altLang="ja-JP" smtClean="0"/>
-              <a:t>4/20/2024</a:t>
+              <a:t>4/21/2024</a:t>
             </a:fld>
             <a:endParaRPr kumimoji="1" lang="ja-JP" altLang="en-US"/>
           </a:p>
@@ -7472,7 +7472,7 @@
                   <a:spcPts val="600"/>
                 </a:spcAft>
               </a:pPr>
-              <a:t>4/20/2024</a:t>
+              <a:t>4/21/2024</a:t>
             </a:fld>
             <a:endParaRPr kumimoji="1" lang="ja-JP" altLang="en-US"/>
           </a:p>
@@ -8066,7 +8066,7 @@
           <a:p>
             <a:fld id="{F7681EE8-9FE2-425D-8FB4-74C399BDEDA0}" type="datetime1">
               <a:rPr kumimoji="1" lang="en-US" altLang="ja-JP" smtClean="0"/>
-              <a:t>4/20/2024</a:t>
+              <a:t>4/21/2024</a:t>
             </a:fld>
             <a:endParaRPr kumimoji="1" lang="ja-JP" altLang="en-US"/>
           </a:p>
@@ -8423,7 +8423,7 @@
           <a:p>
             <a:fld id="{F7681EE8-9FE2-425D-8FB4-74C399BDEDA0}" type="datetime1">
               <a:rPr kumimoji="1" lang="en-US" altLang="ja-JP" smtClean="0"/>
-              <a:t>4/20/2024</a:t>
+              <a:t>4/21/2024</a:t>
             </a:fld>
             <a:endParaRPr kumimoji="1" lang="ja-JP" altLang="en-US"/>
           </a:p>
@@ -8686,7 +8686,21 @@
                 <a:latin typeface="Times New Roman" panose="02020603050405020304" pitchFamily="18" charset="0"/>
                 <a:ea typeface="Arial" panose="020B0604020202020204" pitchFamily="34" charset="0"/>
               </a:rPr>
-              <a:t> Stick diagram</a:t>
+              <a:t> Stick </a:t>
+            </a:r>
+            <a:r>
+              <a:rPr lang="en-US" dirty="0">
+                <a:ea typeface="Arial" panose="020B0604020202020204" pitchFamily="34" charset="0"/>
+              </a:rPr>
+              <a:t>D</a:t>
+            </a:r>
+            <a:r>
+              <a:rPr lang="en-US" dirty="0">
+                <a:effectLst/>
+                <a:latin typeface="Times New Roman" panose="02020603050405020304" pitchFamily="18" charset="0"/>
+                <a:ea typeface="Arial" panose="020B0604020202020204" pitchFamily="34" charset="0"/>
+              </a:rPr>
+              <a:t>iagram</a:t>
             </a:r>
           </a:p>
           <a:p>
@@ -8906,7 +8920,7 @@
           <a:p>
             <a:fld id="{F7681EE8-9FE2-425D-8FB4-74C399BDEDA0}" type="datetime1">
               <a:rPr kumimoji="1" lang="en-US" altLang="ja-JP" smtClean="0"/>
-              <a:t>4/20/2024</a:t>
+              <a:t>4/21/2024</a:t>
             </a:fld>
             <a:endParaRPr kumimoji="1" lang="ja-JP" altLang="en-US"/>
           </a:p>
@@ -9543,7 +9557,7 @@
           <a:p>
             <a:fld id="{F7681EE8-9FE2-425D-8FB4-74C399BDEDA0}" type="datetime1">
               <a:rPr kumimoji="1" lang="en-US" altLang="ja-JP" smtClean="0"/>
-              <a:t>4/20/2024</a:t>
+              <a:t>4/21/2024</a:t>
             </a:fld>
             <a:endParaRPr kumimoji="1" lang="ja-JP" altLang="en-US"/>
           </a:p>
@@ -9825,7 +9839,7 @@
             </a:r>
             <a:r>
               <a:rPr lang="en-US" sz="2600" dirty="0" err="1"/>
-              <a:t>chuyên</a:t>
+              <a:t>để</a:t>
             </a:r>
             <a:r>
               <a:rPr lang="en-US" sz="2600" dirty="0"/>
@@ -9853,7 +9867,15 @@
             </a:r>
             <a:r>
               <a:rPr lang="en-US" sz="2600" dirty="0"/>
-              <a:t> matplotlib</a:t>
+              <a:t> </a:t>
+            </a:r>
+            <a:r>
+              <a:rPr lang="en-US" sz="2600" dirty="0" err="1"/>
+              <a:t>là</a:t>
+            </a:r>
+            <a:r>
+              <a:rPr lang="en-US" sz="2600" dirty="0"/>
+              <a:t> matplotlib.</a:t>
             </a:r>
           </a:p>
           <a:p>
@@ -10029,7 +10051,7 @@
                   <a:spcPts val="600"/>
                 </a:spcAft>
               </a:pPr>
-              <a:t>4/20/2024</a:t>
+              <a:t>4/21/2024</a:t>
             </a:fld>
             <a:endParaRPr kumimoji="1" lang="ja-JP" altLang="en-US"/>
           </a:p>
@@ -11170,7 +11192,7 @@
                   <a:spcPts val="600"/>
                 </a:spcAft>
               </a:pPr>
-              <a:t>4/20/2024</a:t>
+              <a:t>4/21/2024</a:t>
             </a:fld>
             <a:endParaRPr kumimoji="1" lang="ja-JP" altLang="en-US"/>
           </a:p>
@@ -13677,7 +13699,7 @@
                   <a:spcPts val="600"/>
                 </a:spcAft>
               </a:pPr>
-              <a:t>4/20/2024</a:t>
+              <a:t>4/21/2024</a:t>
             </a:fld>
             <a:endParaRPr kumimoji="1" lang="ja-JP" altLang="en-US"/>
           </a:p>
@@ -15612,7 +15634,7 @@
           <a:p>
             <a:fld id="{F7681EE8-9FE2-425D-8FB4-74C399BDEDA0}" type="datetime1">
               <a:rPr kumimoji="1" lang="en-US" altLang="ja-JP" smtClean="0"/>
-              <a:t>4/20/2024</a:t>
+              <a:t>4/21/2024</a:t>
             </a:fld>
             <a:endParaRPr kumimoji="1" lang="ja-JP" altLang="en-US"/>
           </a:p>
@@ -15828,7 +15850,7 @@
           <a:p>
             <a:fld id="{F7681EE8-9FE2-425D-8FB4-74C399BDEDA0}" type="datetime1">
               <a:rPr kumimoji="1" lang="en-US" altLang="ja-JP" smtClean="0"/>
-              <a:t>4/20/2024</a:t>
+              <a:t>4/21/2024</a:t>
             </a:fld>
             <a:endParaRPr kumimoji="1" lang="ja-JP" altLang="en-US"/>
           </a:p>

--- a/21520312_21521649_Slide_StickDiagram.pptx
+++ b/21520312_21521649_Slide_StickDiagram.pptx
@@ -7404,10 +7404,10 @@
       </p:sp>
       <p:pic>
         <p:nvPicPr>
-          <p:cNvPr id="8" name="Content Placeholder 7" descr="A diagram of a flowchart&#10;&#10;Description automatically generated">
+          <p:cNvPr id="10" name="Content Placeholder 9" descr="A diagram of a flowchart&#10;&#10;Description automatically generated">
             <a:extLst>
               <a:ext uri="{FF2B5EF4-FFF2-40B4-BE49-F238E27FC236}">
-                <a16:creationId xmlns:a16="http://schemas.microsoft.com/office/drawing/2014/main" id="{F8E379F6-E314-4F73-0533-05CA8FB2B34E}"/>
+                <a16:creationId xmlns:a16="http://schemas.microsoft.com/office/drawing/2014/main" id="{9EADD9E5-FA9C-4DF6-FA3B-A9800F5C90DA}"/>
               </a:ext>
             </a:extLst>
           </p:cNvPr>
@@ -7426,8 +7426,8 @@
         </p:blipFill>
         <p:spPr>
           <a:xfrm>
-            <a:off x="1995408" y="1135143"/>
-            <a:ext cx="4577920" cy="5669252"/>
+            <a:off x="2605142" y="1218398"/>
+            <a:ext cx="3932129" cy="5352264"/>
           </a:xfrm>
           <a:noFill/>
         </p:spPr>
